--- a/log/revisioni/AGAR Project  - Seconda revisione.pptx
+++ b/log/revisioni/AGAR Project  - Seconda revisione.pptx
@@ -24,23 +24,24 @@
     <p:sldId id="269" r:id="rId19"/>
     <p:sldId id="270" r:id="rId20"/>
     <p:sldId id="271" r:id="rId21"/>
+    <p:sldId id="272" r:id="rId22"/>
   </p:sldIdLst>
   <p:sldSz cy="5143500" cx="9144000"/>
   <p:notesSz cx="6858000" cy="9144000"/>
   <p:embeddedFontLst>
     <p:embeddedFont>
       <p:font typeface="Montserrat"/>
-      <p:regular r:id="rId22"/>
-      <p:bold r:id="rId23"/>
-      <p:italic r:id="rId24"/>
-      <p:boldItalic r:id="rId25"/>
+      <p:regular r:id="rId23"/>
+      <p:bold r:id="rId24"/>
+      <p:italic r:id="rId25"/>
+      <p:boldItalic r:id="rId26"/>
     </p:embeddedFont>
     <p:embeddedFont>
       <p:font typeface="Lato"/>
-      <p:regular r:id="rId26"/>
-      <p:bold r:id="rId27"/>
-      <p:italic r:id="rId28"/>
-      <p:boldItalic r:id="rId29"/>
+      <p:regular r:id="rId27"/>
+      <p:bold r:id="rId28"/>
+      <p:italic r:id="rId29"/>
+      <p:boldItalic r:id="rId30"/>
     </p:embeddedFont>
   </p:embeddedFontLst>
   <p:defaultTextStyle>
@@ -821,7 +822,7 @@
   <p:cSld>
     <p:spTree>
       <p:nvGrpSpPr>
-        <p:cNvPr id="185" name="Shape 185"/>
+        <p:cNvPr id="189" name="Shape 189"/>
         <p:cNvGrpSpPr/>
         <p:nvPr/>
       </p:nvGrpSpPr>
@@ -835,7 +836,7 @@
       </p:grpSpPr>
       <p:sp>
         <p:nvSpPr>
-          <p:cNvPr id="186" name="Google Shape;186;g1cd2c3b20f7_12_5:notes"/>
+          <p:cNvPr id="190" name="Google Shape;190;g1cb80779301_0_2:notes"/>
           <p:cNvSpPr/>
           <p:nvPr>
             <p:ph idx="2" type="sldImg"/>
@@ -870,7 +871,7 @@
       </p:sp>
       <p:sp>
         <p:nvSpPr>
-          <p:cNvPr id="187" name="Google Shape;187;g1cd2c3b20f7_12_5:notes"/>
+          <p:cNvPr id="191" name="Google Shape;191;g1cb80779301_0_2:notes"/>
           <p:cNvSpPr txBox="1"/>
           <p:nvPr>
             <p:ph idx="1" type="body"/>
@@ -920,7 +921,7 @@
   <p:cSld>
     <p:spTree>
       <p:nvGrpSpPr>
-        <p:cNvPr id="191" name="Shape 191"/>
+        <p:cNvPr id="195" name="Shape 195"/>
         <p:cNvGrpSpPr/>
         <p:nvPr/>
       </p:nvGrpSpPr>
@@ -934,7 +935,7 @@
       </p:grpSpPr>
       <p:sp>
         <p:nvSpPr>
-          <p:cNvPr id="192" name="Google Shape;192;g1cd2c3b20f7_12_10:notes"/>
+          <p:cNvPr id="196" name="Google Shape;196;g1bd75e9827c_8_18:notes"/>
           <p:cNvSpPr/>
           <p:nvPr>
             <p:ph idx="2" type="sldImg"/>
@@ -969,7 +970,7 @@
       </p:sp>
       <p:sp>
         <p:nvSpPr>
-          <p:cNvPr id="193" name="Google Shape;193;g1cd2c3b20f7_12_10:notes"/>
+          <p:cNvPr id="197" name="Google Shape;197;g1bd75e9827c_8_18:notes"/>
           <p:cNvSpPr txBox="1"/>
           <p:nvPr>
             <p:ph idx="1" type="body"/>
@@ -1019,7 +1020,7 @@
   <p:cSld>
     <p:spTree>
       <p:nvGrpSpPr>
-        <p:cNvPr id="197" name="Shape 197"/>
+        <p:cNvPr id="201" name="Shape 201"/>
         <p:cNvGrpSpPr/>
         <p:nvPr/>
       </p:nvGrpSpPr>
@@ -1033,7 +1034,7 @@
       </p:grpSpPr>
       <p:sp>
         <p:nvSpPr>
-          <p:cNvPr id="198" name="Google Shape;198;g1cd2c3b20f7_27_0:notes"/>
+          <p:cNvPr id="202" name="Google Shape;202;g1cd2c3b20f7_12_5:notes"/>
           <p:cNvSpPr/>
           <p:nvPr>
             <p:ph idx="2" type="sldImg"/>
@@ -1068,7 +1069,7 @@
       </p:sp>
       <p:sp>
         <p:nvSpPr>
-          <p:cNvPr id="199" name="Google Shape;199;g1cd2c3b20f7_27_0:notes"/>
+          <p:cNvPr id="203" name="Google Shape;203;g1cd2c3b20f7_12_5:notes"/>
           <p:cNvSpPr txBox="1"/>
           <p:nvPr>
             <p:ph idx="1" type="body"/>
@@ -1132,7 +1133,7 @@
       </p:grpSpPr>
       <p:sp>
         <p:nvSpPr>
-          <p:cNvPr id="208" name="Google Shape;208;g1bd75e9827c_0_125:notes"/>
+          <p:cNvPr id="208" name="Google Shape;208;g1cd2c3b20f7_12_10:notes"/>
           <p:cNvSpPr/>
           <p:nvPr>
             <p:ph idx="2" type="sldImg"/>
@@ -1167,7 +1168,7 @@
       </p:sp>
       <p:sp>
         <p:nvSpPr>
-          <p:cNvPr id="209" name="Google Shape;209;g1bd75e9827c_0_125:notes"/>
+          <p:cNvPr id="209" name="Google Shape;209;g1cd2c3b20f7_12_10:notes"/>
           <p:cNvSpPr txBox="1"/>
           <p:nvPr>
             <p:ph idx="1" type="body"/>
@@ -1217,7 +1218,7 @@
   <p:cSld>
     <p:spTree>
       <p:nvGrpSpPr>
-        <p:cNvPr id="214" name="Shape 214"/>
+        <p:cNvPr id="213" name="Shape 213"/>
         <p:cNvGrpSpPr/>
         <p:nvPr/>
       </p:nvGrpSpPr>
@@ -1231,7 +1232,7 @@
       </p:grpSpPr>
       <p:sp>
         <p:nvSpPr>
-          <p:cNvPr id="215" name="Google Shape;215;g1bdeae9e373_0_6:notes"/>
+          <p:cNvPr id="214" name="Google Shape;214;g1bd75e9827c_0_125:notes"/>
           <p:cNvSpPr/>
           <p:nvPr>
             <p:ph idx="2" type="sldImg"/>
@@ -1266,7 +1267,7 @@
       </p:sp>
       <p:sp>
         <p:nvSpPr>
-          <p:cNvPr id="216" name="Google Shape;216;g1bdeae9e373_0_6:notes"/>
+          <p:cNvPr id="215" name="Google Shape;215;g1bd75e9827c_0_125:notes"/>
           <p:cNvSpPr txBox="1"/>
           <p:nvPr>
             <p:ph idx="1" type="body"/>
@@ -1330,7 +1331,7 @@
       </p:grpSpPr>
       <p:sp>
         <p:nvSpPr>
-          <p:cNvPr id="221" name="Google Shape;221;g1cb80779301_1_0:notes"/>
+          <p:cNvPr id="221" name="Google Shape;221;g1bdeae9e373_0_6:notes"/>
           <p:cNvSpPr/>
           <p:nvPr>
             <p:ph idx="2" type="sldImg"/>
@@ -1365,7 +1366,7 @@
       </p:sp>
       <p:sp>
         <p:nvSpPr>
-          <p:cNvPr id="222" name="Google Shape;222;g1cb80779301_1_0:notes"/>
+          <p:cNvPr id="222" name="Google Shape;222;g1bdeae9e373_0_6:notes"/>
           <p:cNvSpPr txBox="1"/>
           <p:nvPr>
             <p:ph idx="1" type="body"/>
@@ -1429,7 +1430,7 @@
       </p:grpSpPr>
       <p:sp>
         <p:nvSpPr>
-          <p:cNvPr id="227" name="Google Shape;227;g1bdc1b8a784_0_27:notes"/>
+          <p:cNvPr id="227" name="Google Shape;227;g1cb80779301_1_0:notes"/>
           <p:cNvSpPr/>
           <p:nvPr>
             <p:ph idx="2" type="sldImg"/>
@@ -1464,7 +1465,106 @@
       </p:sp>
       <p:sp>
         <p:nvSpPr>
-          <p:cNvPr id="228" name="Google Shape;228;g1bdc1b8a784_0_27:notes"/>
+          <p:cNvPr id="228" name="Google Shape;228;g1cb80779301_1_0:notes"/>
+          <p:cNvSpPr txBox="1"/>
+          <p:nvPr>
+            <p:ph idx="1" type="body"/>
+          </p:nvPr>
+        </p:nvSpPr>
+        <p:spPr>
+          <a:xfrm>
+            <a:off x="685800" y="4343400"/>
+            <a:ext cx="5486400" cy="4114800"/>
+          </a:xfrm>
+          <a:prstGeom prst="rect">
+            <a:avLst/>
+          </a:prstGeom>
+        </p:spPr>
+        <p:txBody>
+          <a:bodyPr anchorCtr="0" anchor="t" bIns="91425" lIns="91425" spcFirstLastPara="1" rIns="91425" wrap="square" tIns="91425">
+            <a:noAutofit/>
+          </a:bodyPr>
+          <a:lstStyle/>
+          <a:p>
+            <a:pPr indent="0" lvl="0" marL="0" rtl="0" algn="l">
+              <a:spcBef>
+                <a:spcPts val="0"/>
+              </a:spcBef>
+              <a:spcAft>
+                <a:spcPts val="0"/>
+              </a:spcAft>
+              <a:buNone/>
+            </a:pPr>
+            <a:r>
+              <a:t/>
+            </a:r>
+            <a:endParaRPr/>
+          </a:p>
+        </p:txBody>
+      </p:sp>
+    </p:spTree>
+  </p:cSld>
+  <p:clrMapOvr>
+    <a:masterClrMapping/>
+  </p:clrMapOvr>
+</p:notes>
+</file>
+
+<file path=ppt/notesSlides/notesSlide17.xml><?xml version="1.0" encoding="utf-8"?>
+<p:notes xmlns:a="http://schemas.openxmlformats.org/drawingml/2006/main" xmlns:r="http://schemas.openxmlformats.org/officeDocument/2006/relationships" xmlns:mc="http://schemas.openxmlformats.org/markup-compatibility/2006" xmlns:mv="urn:schemas-microsoft-com:mac:vml" xmlns:p="http://schemas.openxmlformats.org/presentationml/2006/main" xmlns:c="http://schemas.openxmlformats.org/drawingml/2006/chart" xmlns:dgm="http://schemas.openxmlformats.org/drawingml/2006/diagram" xmlns:o="urn:schemas-microsoft-com:office:office" xmlns:v="urn:schemas-microsoft-com:vml" xmlns:pvml="urn:schemas-microsoft-com:office:powerpoint" xmlns:com="http://schemas.openxmlformats.org/drawingml/2006/compatibility" xmlns:p14="http://schemas.microsoft.com/office/powerpoint/2010/main" xmlns:p15="http://schemas.microsoft.com/office/powerpoint/2012/main" xmlns:ahyp="http://schemas.microsoft.com/office/drawing/2018/hyperlinkcolor" showMasterPhAnim="0" showMasterSp="0">
+  <p:cSld>
+    <p:spTree>
+      <p:nvGrpSpPr>
+        <p:cNvPr id="232" name="Shape 232"/>
+        <p:cNvGrpSpPr/>
+        <p:nvPr/>
+      </p:nvGrpSpPr>
+      <p:grpSpPr>
+        <a:xfrm>
+          <a:off x="0" y="0"/>
+          <a:ext cx="0" cy="0"/>
+          <a:chOff x="0" y="0"/>
+          <a:chExt cx="0" cy="0"/>
+        </a:xfrm>
+      </p:grpSpPr>
+      <p:sp>
+        <p:nvSpPr>
+          <p:cNvPr id="233" name="Google Shape;233;g1bdc1b8a784_0_27:notes"/>
+          <p:cNvSpPr/>
+          <p:nvPr>
+            <p:ph idx="2" type="sldImg"/>
+          </p:nvPr>
+        </p:nvSpPr>
+        <p:spPr>
+          <a:xfrm>
+            <a:off x="381300" y="685800"/>
+            <a:ext cx="6096000" cy="3429000"/>
+          </a:xfrm>
+          <a:custGeom>
+            <a:rect b="b" l="l" r="r" t="t"/>
+            <a:pathLst>
+              <a:path extrusionOk="0" h="120000" w="120000">
+                <a:moveTo>
+                  <a:pt x="0" y="0"/>
+                </a:moveTo>
+                <a:lnTo>
+                  <a:pt x="120000" y="0"/>
+                </a:lnTo>
+                <a:lnTo>
+                  <a:pt x="120000" y="120000"/>
+                </a:lnTo>
+                <a:lnTo>
+                  <a:pt x="0" y="120000"/>
+                </a:lnTo>
+                <a:close/>
+              </a:path>
+            </a:pathLst>
+          </a:custGeom>
+        </p:spPr>
+      </p:sp>
+      <p:sp>
+        <p:nvSpPr>
+          <p:cNvPr id="234" name="Google Shape;234;g1bdc1b8a784_0_27:notes"/>
           <p:cNvSpPr txBox="1"/>
           <p:nvPr>
             <p:ph idx="1" type="body"/>
@@ -1528,7 +1628,7 @@
       </p:grpSpPr>
       <p:sp>
         <p:nvSpPr>
-          <p:cNvPr id="137" name="Google Shape;137;g1cd2c3b20f7_0_10:notes"/>
+          <p:cNvPr id="137" name="Google Shape;137;g1cf3a44bb80_4_5:notes"/>
           <p:cNvSpPr/>
           <p:nvPr>
             <p:ph idx="2" type="sldImg"/>
@@ -1563,7 +1663,7 @@
       </p:sp>
       <p:sp>
         <p:nvSpPr>
-          <p:cNvPr id="138" name="Google Shape;138;g1cd2c3b20f7_0_10:notes"/>
+          <p:cNvPr id="138" name="Google Shape;138;g1cf3a44bb80_4_5:notes"/>
           <p:cNvSpPr txBox="1"/>
           <p:nvPr>
             <p:ph idx="1" type="body"/>
@@ -1613,7 +1713,7 @@
   <p:cSld>
     <p:spTree>
       <p:nvGrpSpPr>
-        <p:cNvPr id="143" name="Shape 143"/>
+        <p:cNvPr id="142" name="Shape 142"/>
         <p:cNvGrpSpPr/>
         <p:nvPr/>
       </p:nvGrpSpPr>
@@ -1627,7 +1727,7 @@
       </p:grpSpPr>
       <p:sp>
         <p:nvSpPr>
-          <p:cNvPr id="144" name="Google Shape;144;g1cd2c3b20f7_0_5:notes"/>
+          <p:cNvPr id="143" name="Google Shape;143;g1cd2c3b20f7_0_10:notes"/>
           <p:cNvSpPr/>
           <p:nvPr>
             <p:ph idx="2" type="sldImg"/>
@@ -1662,7 +1762,7 @@
       </p:sp>
       <p:sp>
         <p:nvSpPr>
-          <p:cNvPr id="145" name="Google Shape;145;g1cd2c3b20f7_0_5:notes"/>
+          <p:cNvPr id="144" name="Google Shape;144;g1cd2c3b20f7_0_10:notes"/>
           <p:cNvSpPr txBox="1"/>
           <p:nvPr>
             <p:ph idx="1" type="body"/>
@@ -1726,7 +1826,7 @@
       </p:grpSpPr>
       <p:sp>
         <p:nvSpPr>
-          <p:cNvPr id="150" name="Google Shape;150;g1bd75e9827c_0_133:notes"/>
+          <p:cNvPr id="150" name="Google Shape;150;g1cd2c3b20f7_0_5:notes"/>
           <p:cNvSpPr/>
           <p:nvPr>
             <p:ph idx="2" type="sldImg"/>
@@ -1761,7 +1861,7 @@
       </p:sp>
       <p:sp>
         <p:nvSpPr>
-          <p:cNvPr id="151" name="Google Shape;151;g1bd75e9827c_0_133:notes"/>
+          <p:cNvPr id="151" name="Google Shape;151;g1cd2c3b20f7_0_5:notes"/>
           <p:cNvSpPr txBox="1"/>
           <p:nvPr>
             <p:ph idx="1" type="body"/>
@@ -1825,7 +1925,7 @@
       </p:grpSpPr>
       <p:sp>
         <p:nvSpPr>
-          <p:cNvPr id="156" name="Google Shape;156;g1bd75e9827c_8_25:notes"/>
+          <p:cNvPr id="156" name="Google Shape;156;g1bd75e9827c_0_133:notes"/>
           <p:cNvSpPr/>
           <p:nvPr>
             <p:ph idx="2" type="sldImg"/>
@@ -1860,7 +1960,7 @@
       </p:sp>
       <p:sp>
         <p:nvSpPr>
-          <p:cNvPr id="157" name="Google Shape;157;g1bd75e9827c_8_25:notes"/>
+          <p:cNvPr id="157" name="Google Shape;157;g1bd75e9827c_0_133:notes"/>
           <p:cNvSpPr txBox="1"/>
           <p:nvPr>
             <p:ph idx="1" type="body"/>
@@ -1924,7 +2024,7 @@
       </p:grpSpPr>
       <p:sp>
         <p:nvSpPr>
-          <p:cNvPr id="162" name="Google Shape;162;g1bd75e9827c_8_12:notes"/>
+          <p:cNvPr id="162" name="Google Shape;162;g1bd75e9827c_8_25:notes"/>
           <p:cNvSpPr/>
           <p:nvPr>
             <p:ph idx="2" type="sldImg"/>
@@ -1959,7 +2059,7 @@
       </p:sp>
       <p:sp>
         <p:nvSpPr>
-          <p:cNvPr id="163" name="Google Shape;163;g1bd75e9827c_8_12:notes"/>
+          <p:cNvPr id="163" name="Google Shape;163;g1bd75e9827c_8_25:notes"/>
           <p:cNvSpPr txBox="1"/>
           <p:nvPr>
             <p:ph idx="1" type="body"/>
@@ -2023,7 +2123,7 @@
       </p:grpSpPr>
       <p:sp>
         <p:nvSpPr>
-          <p:cNvPr id="168" name="Google Shape;168;g1bd75e9827c_8_6:notes"/>
+          <p:cNvPr id="168" name="Google Shape;168;g1bd75e9827c_8_12:notes"/>
           <p:cNvSpPr/>
           <p:nvPr>
             <p:ph idx="2" type="sldImg"/>
@@ -2058,7 +2158,7 @@
       </p:sp>
       <p:sp>
         <p:nvSpPr>
-          <p:cNvPr id="169" name="Google Shape;169;g1bd75e9827c_8_6:notes"/>
+          <p:cNvPr id="169" name="Google Shape;169;g1bd75e9827c_8_12:notes"/>
           <p:cNvSpPr txBox="1"/>
           <p:nvPr>
             <p:ph idx="1" type="body"/>
@@ -2122,7 +2222,7 @@
       </p:grpSpPr>
       <p:sp>
         <p:nvSpPr>
-          <p:cNvPr id="174" name="Google Shape;174;g1cb80779301_0_2:notes"/>
+          <p:cNvPr id="174" name="Google Shape;174;g1cd2c3b20f7_27_0:notes"/>
           <p:cNvSpPr/>
           <p:nvPr>
             <p:ph idx="2" type="sldImg"/>
@@ -2157,7 +2257,7 @@
       </p:sp>
       <p:sp>
         <p:nvSpPr>
-          <p:cNvPr id="175" name="Google Shape;175;g1cb80779301_0_2:notes"/>
+          <p:cNvPr id="175" name="Google Shape;175;g1cd2c3b20f7_27_0:notes"/>
           <p:cNvSpPr txBox="1"/>
           <p:nvPr>
             <p:ph idx="1" type="body"/>
@@ -2207,7 +2307,7 @@
   <p:cSld>
     <p:spTree>
       <p:nvGrpSpPr>
-        <p:cNvPr id="179" name="Shape 179"/>
+        <p:cNvPr id="183" name="Shape 183"/>
         <p:cNvGrpSpPr/>
         <p:nvPr/>
       </p:nvGrpSpPr>
@@ -2221,7 +2321,7 @@
       </p:grpSpPr>
       <p:sp>
         <p:nvSpPr>
-          <p:cNvPr id="180" name="Google Shape;180;g1bd75e9827c_8_18:notes"/>
+          <p:cNvPr id="184" name="Google Shape;184;g1bd75e9827c_8_6:notes"/>
           <p:cNvSpPr/>
           <p:nvPr>
             <p:ph idx="2" type="sldImg"/>
@@ -2256,7 +2356,7 @@
       </p:sp>
       <p:sp>
         <p:nvSpPr>
-          <p:cNvPr id="181" name="Google Shape;181;g1bd75e9827c_8_18:notes"/>
+          <p:cNvPr id="185" name="Google Shape;185;g1bd75e9827c_8_6:notes"/>
           <p:cNvSpPr txBox="1"/>
           <p:nvPr>
             <p:ph idx="1" type="body"/>
@@ -10610,7 +10710,7 @@
   <p:cSld>
     <p:spTree>
       <p:nvGrpSpPr>
-        <p:cNvPr id="188" name="Shape 188"/>
+        <p:cNvPr id="192" name="Shape 192"/>
         <p:cNvGrpSpPr/>
         <p:nvPr/>
       </p:nvGrpSpPr>
@@ -10624,7 +10724,7 @@
       </p:grpSpPr>
       <p:sp>
         <p:nvSpPr>
-          <p:cNvPr id="189" name="Google Shape;189;p22"/>
+          <p:cNvPr id="193" name="Google Shape;193;p22"/>
           <p:cNvSpPr txBox="1"/>
           <p:nvPr>
             <p:ph type="title"/>
@@ -10632,8 +10732,8 @@
         </p:nvSpPr>
         <p:spPr>
           <a:xfrm>
-            <a:off x="1274700" y="279775"/>
-            <a:ext cx="7407300" cy="914100"/>
+            <a:off x="1312625" y="197100"/>
+            <a:ext cx="7038900" cy="914100"/>
           </a:xfrm>
           <a:prstGeom prst="rect">
             <a:avLst/>
@@ -10641,7 +10741,7 @@
         </p:spPr>
         <p:txBody>
           <a:bodyPr anchorCtr="0" anchor="t" bIns="91425" lIns="91425" spcFirstLastPara="1" rIns="91425" wrap="square" tIns="91425">
-            <a:noAutofit/>
+            <a:normAutofit/>
           </a:bodyPr>
           <a:lstStyle/>
           <a:p>
@@ -10652,20 +10752,19 @@
               <a:spcAft>
                 <a:spcPts val="0"/>
               </a:spcAft>
-              <a:buSzPts val="990"/>
               <a:buNone/>
             </a:pPr>
             <a:r>
-              <a:rPr lang="it" sz="2460"/>
-              <a:t>NPC e controller dialoghi, Controller - Spinelli</a:t>
+              <a:rPr lang="it"/>
+              <a:t>Controller livelli e mappe - Terracino</a:t>
             </a:r>
-            <a:endParaRPr sz="2460"/>
+            <a:endParaRPr/>
           </a:p>
         </p:txBody>
       </p:sp>
       <p:pic>
         <p:nvPicPr>
-          <p:cNvPr id="190" name="Google Shape;190;p22"/>
+          <p:cNvPr id="194" name="Google Shape;194;p22"/>
           <p:cNvPicPr preferRelativeResize="0"/>
           <p:nvPr/>
         </p:nvPicPr>
@@ -10679,8 +10778,8 @@
         </p:blipFill>
         <p:spPr>
           <a:xfrm>
-            <a:off x="3081088" y="973000"/>
-            <a:ext cx="3426136" cy="3644825"/>
+            <a:off x="1738488" y="782650"/>
+            <a:ext cx="5667025" cy="4226475"/>
           </a:xfrm>
           <a:prstGeom prst="rect">
             <a:avLst/>
@@ -10704,7 +10803,7 @@
   <p:cSld>
     <p:spTree>
       <p:nvGrpSpPr>
-        <p:cNvPr id="194" name="Shape 194"/>
+        <p:cNvPr id="198" name="Shape 198"/>
         <p:cNvGrpSpPr/>
         <p:nvPr/>
       </p:nvGrpSpPr>
@@ -10718,7 +10817,7 @@
       </p:grpSpPr>
       <p:sp>
         <p:nvSpPr>
-          <p:cNvPr id="195" name="Google Shape;195;p23"/>
+          <p:cNvPr id="199" name="Google Shape;199;p23"/>
           <p:cNvSpPr txBox="1"/>
           <p:nvPr>
             <p:ph type="title"/>
@@ -10726,8 +10825,8 @@
         </p:nvSpPr>
         <p:spPr>
           <a:xfrm>
-            <a:off x="1274700" y="279775"/>
-            <a:ext cx="7038900" cy="914100"/>
+            <a:off x="843575" y="279775"/>
+            <a:ext cx="8211900" cy="914100"/>
           </a:xfrm>
           <a:prstGeom prst="rect">
             <a:avLst/>
@@ -10735,7 +10834,7 @@
         </p:spPr>
         <p:txBody>
           <a:bodyPr anchorCtr="0" anchor="t" bIns="91425" lIns="91425" spcFirstLastPara="1" rIns="91425" wrap="square" tIns="91425">
-            <a:normAutofit/>
+            <a:noAutofit/>
           </a:bodyPr>
           <a:lstStyle/>
           <a:p>
@@ -10746,19 +10845,20 @@
               <a:spcAft>
                 <a:spcPts val="0"/>
               </a:spcAft>
+              <a:buSzPts val="990"/>
               <a:buNone/>
             </a:pPr>
             <a:r>
-              <a:rPr lang="it"/>
-              <a:t>NPC e controller dialoghi, View - Spinelli</a:t>
+              <a:rPr lang="it" sz="2460"/>
+              <a:t>NPC e controller dialoghi, Business Logic - Spinelli</a:t>
             </a:r>
-            <a:endParaRPr/>
+            <a:endParaRPr sz="2460"/>
           </a:p>
         </p:txBody>
       </p:sp>
       <p:pic>
         <p:nvPicPr>
-          <p:cNvPr id="196" name="Google Shape;196;p23"/>
+          <p:cNvPr id="200" name="Google Shape;200;p23"/>
           <p:cNvPicPr preferRelativeResize="0"/>
           <p:nvPr/>
         </p:nvPicPr>
@@ -10772,8 +10872,8 @@
         </p:blipFill>
         <p:spPr>
           <a:xfrm>
-            <a:off x="1239225" y="768325"/>
-            <a:ext cx="6726100" cy="4285674"/>
+            <a:off x="3169563" y="1193875"/>
+            <a:ext cx="3249176" cy="3249176"/>
           </a:xfrm>
           <a:prstGeom prst="rect">
             <a:avLst/>
@@ -10797,7 +10897,7 @@
   <p:cSld>
     <p:spTree>
       <p:nvGrpSpPr>
-        <p:cNvPr id="200" name="Shape 200"/>
+        <p:cNvPr id="204" name="Shape 204"/>
         <p:cNvGrpSpPr/>
         <p:nvPr/>
       </p:nvGrpSpPr>
@@ -10811,7 +10911,7 @@
       </p:grpSpPr>
       <p:sp>
         <p:nvSpPr>
-          <p:cNvPr id="201" name="Google Shape;201;p24"/>
+          <p:cNvPr id="205" name="Google Shape;205;p24"/>
           <p:cNvSpPr txBox="1"/>
           <p:nvPr>
             <p:ph type="title"/>
@@ -10820,7 +10920,7 @@
         <p:spPr>
           <a:xfrm>
             <a:off x="1274700" y="279775"/>
-            <a:ext cx="7038900" cy="914100"/>
+            <a:ext cx="7407300" cy="914100"/>
           </a:xfrm>
           <a:prstGeom prst="rect">
             <a:avLst/>
@@ -10828,7 +10928,7 @@
         </p:spPr>
         <p:txBody>
           <a:bodyPr anchorCtr="0" anchor="t" bIns="91425" lIns="91425" spcFirstLastPara="1" rIns="91425" wrap="square" tIns="91425">
-            <a:normAutofit/>
+            <a:noAutofit/>
           </a:bodyPr>
           <a:lstStyle/>
           <a:p>
@@ -10839,103 +10939,25 @@
               <a:spcAft>
                 <a:spcPts val="0"/>
               </a:spcAft>
+              <a:buSzPts val="990"/>
               <a:buNone/>
             </a:pPr>
             <a:r>
-              <a:rPr lang="it"/>
-              <a:t>View: Abilità - Spinelli</a:t>
+              <a:rPr lang="it" sz="2460"/>
+              <a:t>NPC e controller dialoghi, Controller - Spinelli</a:t>
             </a:r>
-            <a:endParaRPr/>
+            <a:endParaRPr sz="2460"/>
           </a:p>
         </p:txBody>
       </p:sp>
       <p:pic>
         <p:nvPicPr>
-          <p:cNvPr id="202" name="Google Shape;202;p24"/>
-          <p:cNvPicPr preferRelativeResize="0"/>
-          <p:nvPr/>
-        </p:nvPicPr>
-        <p:blipFill rotWithShape="1">
-          <a:blip r:embed="rId3">
-            <a:alphaModFix/>
-          </a:blip>
-          <a:srcRect b="33617" l="74472" r="1886" t="10641"/>
-          <a:stretch/>
-        </p:blipFill>
-        <p:spPr>
-          <a:xfrm>
-            <a:off x="336975" y="1588300"/>
-            <a:ext cx="1968076" cy="2956750"/>
-          </a:xfrm>
-          <a:prstGeom prst="rect">
-            <a:avLst/>
-          </a:prstGeom>
-          <a:noFill/>
-          <a:ln>
-            <a:noFill/>
-          </a:ln>
-        </p:spPr>
-      </p:pic>
-      <p:cxnSp>
-        <p:nvCxnSpPr>
-          <p:cNvPr id="203" name="Google Shape;203;p24"/>
-          <p:cNvCxnSpPr/>
-          <p:nvPr/>
-        </p:nvCxnSpPr>
-        <p:spPr>
-          <a:xfrm>
-            <a:off x="2365075" y="3066675"/>
-            <a:ext cx="276300" cy="0"/>
-          </a:xfrm>
-          <a:prstGeom prst="straightConnector1">
-            <a:avLst/>
-          </a:prstGeom>
-          <a:noFill/>
-          <a:ln cap="flat" cmpd="sng" w="19050">
-            <a:solidFill>
-              <a:schemeClr val="dk2"/>
-            </a:solidFill>
-            <a:prstDash val="solid"/>
-            <a:round/>
-            <a:headEnd len="med" w="med" type="none"/>
-            <a:tailEnd len="med" w="med" type="triangle"/>
-          </a:ln>
-        </p:spPr>
-      </p:cxnSp>
-      <p:cxnSp>
-        <p:nvCxnSpPr>
-          <p:cNvPr id="204" name="Google Shape;204;p24"/>
-          <p:cNvCxnSpPr/>
-          <p:nvPr/>
-        </p:nvCxnSpPr>
-        <p:spPr>
-          <a:xfrm>
-            <a:off x="5602300" y="3065925"/>
-            <a:ext cx="335400" cy="1500"/>
-          </a:xfrm>
-          <a:prstGeom prst="straightConnector1">
-            <a:avLst/>
-          </a:prstGeom>
-          <a:noFill/>
-          <a:ln cap="flat" cmpd="sng" w="19050">
-            <a:solidFill>
-              <a:schemeClr val="dk2"/>
-            </a:solidFill>
-            <a:prstDash val="solid"/>
-            <a:round/>
-            <a:headEnd len="med" w="med" type="triangle"/>
-            <a:tailEnd len="med" w="med" type="triangle"/>
-          </a:ln>
-        </p:spPr>
-      </p:cxnSp>
-      <p:pic>
-        <p:nvPicPr>
-          <p:cNvPr id="205" name="Google Shape;205;p24"/>
+          <p:cNvPr id="206" name="Google Shape;206;p24"/>
           <p:cNvPicPr preferRelativeResize="0"/>
           <p:nvPr/>
         </p:nvPicPr>
         <p:blipFill>
-          <a:blip r:embed="rId4">
+          <a:blip r:embed="rId3">
             <a:alphaModFix/>
           </a:blip>
           <a:stretch>
@@ -10944,36 +10966,8 @@
         </p:blipFill>
         <p:spPr>
           <a:xfrm>
-            <a:off x="2732975" y="1948000"/>
-            <a:ext cx="2822025" cy="2237350"/>
-          </a:xfrm>
-          <a:prstGeom prst="rect">
-            <a:avLst/>
-          </a:prstGeom>
-          <a:noFill/>
-          <a:ln>
-            <a:noFill/>
-          </a:ln>
-        </p:spPr>
-      </p:pic>
-      <p:pic>
-        <p:nvPicPr>
-          <p:cNvPr id="206" name="Google Shape;206;p24"/>
-          <p:cNvPicPr preferRelativeResize="0"/>
-          <p:nvPr/>
-        </p:nvPicPr>
-        <p:blipFill>
-          <a:blip r:embed="rId5">
-            <a:alphaModFix/>
-          </a:blip>
-          <a:stretch>
-            <a:fillRect/>
-          </a:stretch>
-        </p:blipFill>
-        <p:spPr>
-          <a:xfrm>
-            <a:off x="5985000" y="1951750"/>
-            <a:ext cx="2822025" cy="2229860"/>
+            <a:off x="3081088" y="973000"/>
+            <a:ext cx="3426136" cy="3644825"/>
           </a:xfrm>
           <a:prstGeom prst="rect">
             <a:avLst/>
@@ -11013,60 +11007,14 @@
         <p:nvSpPr>
           <p:cNvPr id="211" name="Google Shape;211;p25"/>
           <p:cNvSpPr txBox="1"/>
-          <p:nvPr/>
-        </p:nvSpPr>
-        <p:spPr>
-          <a:xfrm>
-            <a:off x="1666325" y="881350"/>
-            <a:ext cx="3966000" cy="400200"/>
-          </a:xfrm>
-          <a:prstGeom prst="rect">
-            <a:avLst/>
-          </a:prstGeom>
-          <a:noFill/>
-          <a:ln>
-            <a:noFill/>
-          </a:ln>
-        </p:spPr>
-        <p:txBody>
-          <a:bodyPr anchorCtr="0" anchor="t" bIns="91425" lIns="91425" spcFirstLastPara="1" rIns="91425" wrap="square" tIns="91425">
-            <a:spAutoFit/>
-          </a:bodyPr>
-          <a:lstStyle/>
-          <a:p>
-            <a:pPr indent="0" lvl="0" marL="0" rtl="0" algn="l">
-              <a:spcBef>
-                <a:spcPts val="0"/>
-              </a:spcBef>
-              <a:spcAft>
-                <a:spcPts val="0"/>
-              </a:spcAft>
-              <a:buNone/>
-            </a:pPr>
-            <a:r>
-              <a:t/>
-            </a:r>
-            <a:endParaRPr>
-              <a:latin typeface="Lato"/>
-              <a:ea typeface="Lato"/>
-              <a:cs typeface="Lato"/>
-              <a:sym typeface="Lato"/>
-            </a:endParaRPr>
-          </a:p>
-        </p:txBody>
-      </p:sp>
-      <p:sp>
-        <p:nvSpPr>
-          <p:cNvPr id="212" name="Google Shape;212;p25"/>
-          <p:cNvSpPr txBox="1"/>
           <p:nvPr>
-            <p:ph idx="4294967295" type="ctrTitle"/>
+            <p:ph type="title"/>
           </p:nvPr>
         </p:nvSpPr>
         <p:spPr>
           <a:xfrm>
-            <a:off x="2270200" y="200950"/>
-            <a:ext cx="5414700" cy="604200"/>
+            <a:off x="1274700" y="279775"/>
+            <a:ext cx="7038900" cy="914100"/>
           </a:xfrm>
           <a:prstGeom prst="rect">
             <a:avLst/>
@@ -11074,7 +11022,7 @@
         </p:spPr>
         <p:txBody>
           <a:bodyPr anchorCtr="0" anchor="t" bIns="91425" lIns="91425" spcFirstLastPara="1" rIns="91425" wrap="square" tIns="91425">
-            <a:normAutofit fontScale="90000"/>
+            <a:normAutofit/>
           </a:bodyPr>
           <a:lstStyle/>
           <a:p>
@@ -11089,7 +11037,7 @@
             </a:pPr>
             <a:r>
               <a:rPr lang="it"/>
-              <a:t>Sistema decisionale - Terracino</a:t>
+              <a:t>NPC e controller dialoghi, View - Spinelli</a:t>
             </a:r>
             <a:endParaRPr/>
           </a:p>
@@ -11097,7 +11045,7 @@
       </p:sp>
       <p:pic>
         <p:nvPicPr>
-          <p:cNvPr id="213" name="Google Shape;213;p25"/>
+          <p:cNvPr id="212" name="Google Shape;212;p25"/>
           <p:cNvPicPr preferRelativeResize="0"/>
           <p:nvPr/>
         </p:nvPicPr>
@@ -11111,8 +11059,8 @@
         </p:blipFill>
         <p:spPr>
           <a:xfrm>
-            <a:off x="3038326" y="708325"/>
-            <a:ext cx="3129475" cy="4318550"/>
+            <a:off x="1239225" y="768325"/>
+            <a:ext cx="6726100" cy="4285674"/>
           </a:xfrm>
           <a:prstGeom prst="rect">
             <a:avLst/>
@@ -11136,7 +11084,7 @@
   <p:cSld>
     <p:spTree>
       <p:nvGrpSpPr>
-        <p:cNvPr id="217" name="Shape 217"/>
+        <p:cNvPr id="216" name="Shape 216"/>
         <p:cNvGrpSpPr/>
         <p:nvPr/>
       </p:nvGrpSpPr>
@@ -11150,24 +11098,70 @@
       </p:grpSpPr>
       <p:sp>
         <p:nvSpPr>
+          <p:cNvPr id="217" name="Google Shape;217;p26"/>
+          <p:cNvSpPr txBox="1"/>
+          <p:nvPr/>
+        </p:nvSpPr>
+        <p:spPr>
+          <a:xfrm>
+            <a:off x="1666325" y="881350"/>
+            <a:ext cx="3966000" cy="400200"/>
+          </a:xfrm>
+          <a:prstGeom prst="rect">
+            <a:avLst/>
+          </a:prstGeom>
+          <a:noFill/>
+          <a:ln>
+            <a:noFill/>
+          </a:ln>
+        </p:spPr>
+        <p:txBody>
+          <a:bodyPr anchorCtr="0" anchor="t" bIns="91425" lIns="91425" spcFirstLastPara="1" rIns="91425" wrap="square" tIns="91425">
+            <a:spAutoFit/>
+          </a:bodyPr>
+          <a:lstStyle/>
+          <a:p>
+            <a:pPr indent="0" lvl="0" marL="0" rtl="0" algn="l">
+              <a:spcBef>
+                <a:spcPts val="0"/>
+              </a:spcBef>
+              <a:spcAft>
+                <a:spcPts val="0"/>
+              </a:spcAft>
+              <a:buNone/>
+            </a:pPr>
+            <a:r>
+              <a:t/>
+            </a:r>
+            <a:endParaRPr>
+              <a:latin typeface="Lato"/>
+              <a:ea typeface="Lato"/>
+              <a:cs typeface="Lato"/>
+              <a:sym typeface="Lato"/>
+            </a:endParaRPr>
+          </a:p>
+        </p:txBody>
+      </p:sp>
+      <p:sp>
+        <p:nvSpPr>
           <p:cNvPr id="218" name="Google Shape;218;p26"/>
           <p:cNvSpPr txBox="1"/>
           <p:nvPr>
-            <p:ph type="title"/>
+            <p:ph idx="4294967295" type="ctrTitle"/>
           </p:nvPr>
         </p:nvSpPr>
         <p:spPr>
           <a:xfrm>
-            <a:off x="1297500" y="393750"/>
-            <a:ext cx="7038900" cy="914100"/>
+            <a:off x="2270200" y="200950"/>
+            <a:ext cx="5414700" cy="604200"/>
           </a:xfrm>
           <a:prstGeom prst="rect">
             <a:avLst/>
           </a:prstGeom>
         </p:spPr>
         <p:txBody>
-          <a:bodyPr anchorCtr="0" anchor="ctr" bIns="91425" lIns="91425" spcFirstLastPara="1" rIns="91425" wrap="square" tIns="91425">
-            <a:normAutofit/>
+          <a:bodyPr anchorCtr="0" anchor="t" bIns="91425" lIns="91425" spcFirstLastPara="1" rIns="91425" wrap="square" tIns="91425">
+            <a:normAutofit fontScale="90000"/>
           </a:bodyPr>
           <a:lstStyle/>
           <a:p>
@@ -11181,35 +11175,8 @@
               <a:buNone/>
             </a:pPr>
             <a:r>
-              <a:rPr lang="it" sz="2037"/>
-              <a:t>    Database</a:t>
-            </a:r>
-            <a:r>
-              <a:rPr lang="it" sz="1326"/>
-              <a:t> </a:t>
-            </a:r>
-            <a:r>
-              <a:rPr lang="it" sz="2016"/>
-              <a:t>delle </a:t>
-            </a:r>
-            <a:r>
-              <a:rPr lang="it" sz="1993"/>
-              <a:t>entità di gioco - Bonura</a:t>
-            </a:r>
-            <a:endParaRPr sz="1993"/>
-          </a:p>
-          <a:p>
-            <a:pPr indent="0" lvl="0" marL="0" rtl="0" algn="l">
-              <a:spcBef>
-                <a:spcPts val="0"/>
-              </a:spcBef>
-              <a:spcAft>
-                <a:spcPts val="0"/>
-              </a:spcAft>
-              <a:buNone/>
-            </a:pPr>
-            <a:r>
-              <a:t/>
+              <a:rPr lang="it"/>
+              <a:t>Sistema decisionale - Terracino</a:t>
             </a:r>
             <a:endParaRPr/>
           </a:p>
@@ -11231,8 +11198,8 @@
         </p:blipFill>
         <p:spPr>
           <a:xfrm>
-            <a:off x="2174600" y="1153825"/>
-            <a:ext cx="4794799" cy="3639674"/>
+            <a:off x="3038326" y="708325"/>
+            <a:ext cx="3129475" cy="4318550"/>
           </a:xfrm>
           <a:prstGeom prst="rect">
             <a:avLst/>
@@ -11286,12 +11253,12 @@
           </a:prstGeom>
         </p:spPr>
         <p:txBody>
-          <a:bodyPr anchorCtr="0" anchor="t" bIns="91425" lIns="91425" spcFirstLastPara="1" rIns="91425" wrap="square" tIns="91425">
+          <a:bodyPr anchorCtr="0" anchor="ctr" bIns="91425" lIns="91425" spcFirstLastPara="1" rIns="91425" wrap="square" tIns="91425">
             <a:normAutofit/>
           </a:bodyPr>
           <a:lstStyle/>
           <a:p>
-            <a:pPr indent="0" lvl="0" marL="0" rtl="0" algn="l">
+            <a:pPr indent="0" lvl="0" marL="0" rtl="0" algn="ctr">
               <a:spcBef>
                 <a:spcPts val="0"/>
               </a:spcBef>
@@ -11301,14 +11268,37 @@
               <a:buNone/>
             </a:pPr>
             <a:r>
-              <a:rPr lang="it"/>
-              <a:t>   </a:t>
+              <a:rPr lang="it" sz="2037"/>
+              <a:t>    Database</a:t>
             </a:r>
             <a:r>
-              <a:rPr lang="it" sz="2300"/>
-              <a:t>Connessione al database - Bonura</a:t>
+              <a:rPr lang="it" sz="1326"/>
+              <a:t> </a:t>
             </a:r>
-            <a:endParaRPr sz="2300"/>
+            <a:r>
+              <a:rPr lang="it" sz="2016"/>
+              <a:t>delle </a:t>
+            </a:r>
+            <a:r>
+              <a:rPr lang="it" sz="1993"/>
+              <a:t>entità di gioco - Bonura</a:t>
+            </a:r>
+            <a:endParaRPr sz="1993"/>
+          </a:p>
+          <a:p>
+            <a:pPr indent="0" lvl="0" marL="0" rtl="0" algn="l">
+              <a:spcBef>
+                <a:spcPts val="0"/>
+              </a:spcBef>
+              <a:spcAft>
+                <a:spcPts val="0"/>
+              </a:spcAft>
+              <a:buNone/>
+            </a:pPr>
+            <a:r>
+              <a:t/>
+            </a:r>
+            <a:endParaRPr/>
           </a:p>
         </p:txBody>
       </p:sp>
@@ -11328,8 +11318,8 @@
         </p:blipFill>
         <p:spPr>
           <a:xfrm>
-            <a:off x="1634425" y="1024350"/>
-            <a:ext cx="5294043" cy="3530850"/>
+            <a:off x="2174600" y="1153825"/>
+            <a:ext cx="4794799" cy="3639674"/>
           </a:xfrm>
           <a:prstGeom prst="rect">
             <a:avLst/>
@@ -11370,6 +11360,103 @@
           <p:cNvPr id="230" name="Google Shape;230;p28"/>
           <p:cNvSpPr txBox="1"/>
           <p:nvPr>
+            <p:ph type="title"/>
+          </p:nvPr>
+        </p:nvSpPr>
+        <p:spPr>
+          <a:xfrm>
+            <a:off x="1297500" y="393750"/>
+            <a:ext cx="7038900" cy="914100"/>
+          </a:xfrm>
+          <a:prstGeom prst="rect">
+            <a:avLst/>
+          </a:prstGeom>
+        </p:spPr>
+        <p:txBody>
+          <a:bodyPr anchorCtr="0" anchor="t" bIns="91425" lIns="91425" spcFirstLastPara="1" rIns="91425" wrap="square" tIns="91425">
+            <a:normAutofit/>
+          </a:bodyPr>
+          <a:lstStyle/>
+          <a:p>
+            <a:pPr indent="0" lvl="0" marL="0" rtl="0" algn="l">
+              <a:spcBef>
+                <a:spcPts val="0"/>
+              </a:spcBef>
+              <a:spcAft>
+                <a:spcPts val="0"/>
+              </a:spcAft>
+              <a:buNone/>
+            </a:pPr>
+            <a:r>
+              <a:rPr lang="it"/>
+              <a:t>   </a:t>
+            </a:r>
+            <a:r>
+              <a:rPr lang="it" sz="2300"/>
+              <a:t>Connessione al database - Bonura</a:t>
+            </a:r>
+            <a:endParaRPr sz="2300"/>
+          </a:p>
+        </p:txBody>
+      </p:sp>
+      <p:pic>
+        <p:nvPicPr>
+          <p:cNvPr id="231" name="Google Shape;231;p28"/>
+          <p:cNvPicPr preferRelativeResize="0"/>
+          <p:nvPr/>
+        </p:nvPicPr>
+        <p:blipFill>
+          <a:blip r:embed="rId3">
+            <a:alphaModFix/>
+          </a:blip>
+          <a:stretch>
+            <a:fillRect/>
+          </a:stretch>
+        </p:blipFill>
+        <p:spPr>
+          <a:xfrm>
+            <a:off x="1634425" y="1024350"/>
+            <a:ext cx="5294043" cy="3530850"/>
+          </a:xfrm>
+          <a:prstGeom prst="rect">
+            <a:avLst/>
+          </a:prstGeom>
+          <a:noFill/>
+          <a:ln>
+            <a:noFill/>
+          </a:ln>
+        </p:spPr>
+      </p:pic>
+    </p:spTree>
+  </p:cSld>
+  <p:clrMapOvr>
+    <a:masterClrMapping/>
+  </p:clrMapOvr>
+</p:sld>
+</file>
+
+<file path=ppt/slides/slide17.xml><?xml version="1.0" encoding="utf-8"?>
+<p:sld xmlns:a="http://schemas.openxmlformats.org/drawingml/2006/main" xmlns:r="http://schemas.openxmlformats.org/officeDocument/2006/relationships" xmlns:mc="http://schemas.openxmlformats.org/markup-compatibility/2006" xmlns:mv="urn:schemas-microsoft-com:mac:vml" xmlns:p="http://schemas.openxmlformats.org/presentationml/2006/main" xmlns:c="http://schemas.openxmlformats.org/drawingml/2006/chart" xmlns:dgm="http://schemas.openxmlformats.org/drawingml/2006/diagram" xmlns:o="urn:schemas-microsoft-com:office:office" xmlns:v="urn:schemas-microsoft-com:vml" xmlns:pvml="urn:schemas-microsoft-com:office:powerpoint" xmlns:com="http://schemas.openxmlformats.org/drawingml/2006/compatibility" xmlns:p14="http://schemas.microsoft.com/office/powerpoint/2010/main" xmlns:p15="http://schemas.microsoft.com/office/powerpoint/2012/main" xmlns:ahyp="http://schemas.microsoft.com/office/drawing/2018/hyperlinkcolor">
+  <p:cSld>
+    <p:spTree>
+      <p:nvGrpSpPr>
+        <p:cNvPr id="235" name="Shape 235"/>
+        <p:cNvGrpSpPr/>
+        <p:nvPr/>
+      </p:nvGrpSpPr>
+      <p:grpSpPr>
+        <a:xfrm>
+          <a:off x="0" y="0"/>
+          <a:ext cx="0" cy="0"/>
+          <a:chOff x="0" y="0"/>
+          <a:chExt cx="0" cy="0"/>
+        </a:xfrm>
+      </p:grpSpPr>
+      <p:sp>
+        <p:nvSpPr>
+          <p:cNvPr id="236" name="Google Shape;236;p29"/>
+          <p:cNvSpPr txBox="1"/>
+          <p:nvPr>
             <p:ph type="ctrTitle"/>
           </p:nvPr>
         </p:nvSpPr>
@@ -11435,6 +11522,111 @@
           <p:cNvPr id="140" name="Google Shape;140;p14"/>
           <p:cNvSpPr txBox="1"/>
           <p:nvPr>
+            <p:ph type="ctrTitle"/>
+          </p:nvPr>
+        </p:nvSpPr>
+        <p:spPr>
+          <a:xfrm>
+            <a:off x="3962400" y="1782300"/>
+            <a:ext cx="5017500" cy="1578900"/>
+          </a:xfrm>
+          <a:prstGeom prst="rect">
+            <a:avLst/>
+          </a:prstGeom>
+        </p:spPr>
+        <p:txBody>
+          <a:bodyPr anchorCtr="0" anchor="t" bIns="91425" lIns="91425" spcFirstLastPara="1" rIns="91425" wrap="square" tIns="91425">
+            <a:normAutofit/>
+          </a:bodyPr>
+          <a:lstStyle/>
+          <a:p>
+            <a:pPr indent="0" lvl="0" marL="0" rtl="0" algn="l">
+              <a:spcBef>
+                <a:spcPts val="0"/>
+              </a:spcBef>
+              <a:spcAft>
+                <a:spcPts val="0"/>
+              </a:spcAft>
+              <a:buNone/>
+            </a:pPr>
+            <a:r>
+              <a:rPr lang="it"/>
+              <a:t>Cos’è AGAR?</a:t>
+            </a:r>
+            <a:endParaRPr/>
+          </a:p>
+        </p:txBody>
+      </p:sp>
+      <p:sp>
+        <p:nvSpPr>
+          <p:cNvPr id="141" name="Google Shape;141;p14"/>
+          <p:cNvSpPr txBox="1"/>
+          <p:nvPr>
+            <p:ph idx="1" type="subTitle"/>
+          </p:nvPr>
+        </p:nvSpPr>
+        <p:spPr>
+          <a:xfrm>
+            <a:off x="5083950" y="3924925"/>
+            <a:ext cx="3470700" cy="506100"/>
+          </a:xfrm>
+          <a:prstGeom prst="rect">
+            <a:avLst/>
+          </a:prstGeom>
+        </p:spPr>
+        <p:txBody>
+          <a:bodyPr anchorCtr="0" anchor="t" bIns="91425" lIns="91425" spcFirstLastPara="1" rIns="91425" wrap="square" tIns="91425">
+            <a:normAutofit/>
+          </a:bodyPr>
+          <a:lstStyle/>
+          <a:p>
+            <a:pPr indent="0" lvl="0" marL="0" rtl="0" algn="l">
+              <a:spcBef>
+                <a:spcPts val="0"/>
+              </a:spcBef>
+              <a:spcAft>
+                <a:spcPts val="0"/>
+              </a:spcAft>
+              <a:buNone/>
+            </a:pPr>
+            <a:r>
+              <a:rPr lang="it"/>
+              <a:t>Gioco di ruolo </a:t>
+            </a:r>
+            <a:endParaRPr/>
+          </a:p>
+        </p:txBody>
+      </p:sp>
+    </p:spTree>
+  </p:cSld>
+  <p:clrMapOvr>
+    <a:masterClrMapping/>
+  </p:clrMapOvr>
+</p:sld>
+</file>
+
+<file path=ppt/slides/slide3.xml><?xml version="1.0" encoding="utf-8"?>
+<p:sld xmlns:a="http://schemas.openxmlformats.org/drawingml/2006/main" xmlns:r="http://schemas.openxmlformats.org/officeDocument/2006/relationships" xmlns:mc="http://schemas.openxmlformats.org/markup-compatibility/2006" xmlns:mv="urn:schemas-microsoft-com:mac:vml" xmlns:p="http://schemas.openxmlformats.org/presentationml/2006/main" xmlns:c="http://schemas.openxmlformats.org/drawingml/2006/chart" xmlns:dgm="http://schemas.openxmlformats.org/drawingml/2006/diagram" xmlns:o="urn:schemas-microsoft-com:office:office" xmlns:v="urn:schemas-microsoft-com:vml" xmlns:pvml="urn:schemas-microsoft-com:office:powerpoint" xmlns:com="http://schemas.openxmlformats.org/drawingml/2006/compatibility" xmlns:p14="http://schemas.microsoft.com/office/powerpoint/2010/main" xmlns:p15="http://schemas.microsoft.com/office/powerpoint/2012/main" xmlns:ahyp="http://schemas.microsoft.com/office/drawing/2018/hyperlinkcolor">
+  <p:cSld>
+    <p:spTree>
+      <p:nvGrpSpPr>
+        <p:cNvPr id="145" name="Shape 145"/>
+        <p:cNvGrpSpPr/>
+        <p:nvPr/>
+      </p:nvGrpSpPr>
+      <p:grpSpPr>
+        <a:xfrm>
+          <a:off x="0" y="0"/>
+          <a:ext cx="0" cy="0"/>
+          <a:chOff x="0" y="0"/>
+          <a:chExt cx="0" cy="0"/>
+        </a:xfrm>
+      </p:grpSpPr>
+      <p:sp>
+        <p:nvSpPr>
+          <p:cNvPr id="146" name="Google Shape;146;p15"/>
+          <p:cNvSpPr txBox="1"/>
+          <p:nvPr>
             <p:ph type="title"/>
           </p:nvPr>
         </p:nvSpPr>
@@ -11472,7 +11664,7 @@
       </p:sp>
       <p:pic>
         <p:nvPicPr>
-          <p:cNvPr id="141" name="Google Shape;141;p14"/>
+          <p:cNvPr id="147" name="Google Shape;147;p15"/>
           <p:cNvPicPr preferRelativeResize="0"/>
           <p:nvPr/>
         </p:nvPicPr>
@@ -11500,7 +11692,7 @@
       </p:pic>
       <p:pic>
         <p:nvPicPr>
-          <p:cNvPr id="142" name="Google Shape;142;p14"/>
+          <p:cNvPr id="148" name="Google Shape;148;p15"/>
           <p:cNvPicPr preferRelativeResize="0"/>
           <p:nvPr/>
         </p:nvPicPr>
@@ -11526,231 +11718,6 @@
           </a:ln>
         </p:spPr>
       </p:pic>
-    </p:spTree>
-  </p:cSld>
-  <p:clrMapOvr>
-    <a:masterClrMapping/>
-  </p:clrMapOvr>
-</p:sld>
-</file>
-
-<file path=ppt/slides/slide3.xml><?xml version="1.0" encoding="utf-8"?>
-<p:sld xmlns:a="http://schemas.openxmlformats.org/drawingml/2006/main" xmlns:r="http://schemas.openxmlformats.org/officeDocument/2006/relationships" xmlns:mc="http://schemas.openxmlformats.org/markup-compatibility/2006" xmlns:mv="urn:schemas-microsoft-com:mac:vml" xmlns:p="http://schemas.openxmlformats.org/presentationml/2006/main" xmlns:c="http://schemas.openxmlformats.org/drawingml/2006/chart" xmlns:dgm="http://schemas.openxmlformats.org/drawingml/2006/diagram" xmlns:o="urn:schemas-microsoft-com:office:office" xmlns:v="urn:schemas-microsoft-com:vml" xmlns:pvml="urn:schemas-microsoft-com:office:powerpoint" xmlns:com="http://schemas.openxmlformats.org/drawingml/2006/compatibility" xmlns:p14="http://schemas.microsoft.com/office/powerpoint/2010/main" xmlns:p15="http://schemas.microsoft.com/office/powerpoint/2012/main" xmlns:ahyp="http://schemas.microsoft.com/office/drawing/2018/hyperlinkcolor">
-  <p:cSld>
-    <p:spTree>
-      <p:nvGrpSpPr>
-        <p:cNvPr id="146" name="Shape 146"/>
-        <p:cNvGrpSpPr/>
-        <p:nvPr/>
-      </p:nvGrpSpPr>
-      <p:grpSpPr>
-        <a:xfrm>
-          <a:off x="0" y="0"/>
-          <a:ext cx="0" cy="0"/>
-          <a:chOff x="0" y="0"/>
-          <a:chExt cx="0" cy="0"/>
-        </a:xfrm>
-      </p:grpSpPr>
-      <p:sp>
-        <p:nvSpPr>
-          <p:cNvPr id="147" name="Google Shape;147;p15"/>
-          <p:cNvSpPr txBox="1"/>
-          <p:nvPr>
-            <p:ph type="title"/>
-          </p:nvPr>
-        </p:nvSpPr>
-        <p:spPr>
-          <a:xfrm>
-            <a:off x="1297500" y="393750"/>
-            <a:ext cx="7038900" cy="914100"/>
-          </a:xfrm>
-          <a:prstGeom prst="rect">
-            <a:avLst/>
-          </a:prstGeom>
-        </p:spPr>
-        <p:txBody>
-          <a:bodyPr anchorCtr="0" anchor="t" bIns="91425" lIns="91425" spcFirstLastPara="1" rIns="91425" wrap="square" tIns="91425">
-            <a:normAutofit/>
-          </a:bodyPr>
-          <a:lstStyle/>
-          <a:p>
-            <a:pPr indent="0" lvl="0" marL="0" rtl="0" algn="ctr">
-              <a:spcBef>
-                <a:spcPts val="0"/>
-              </a:spcBef>
-              <a:spcAft>
-                <a:spcPts val="0"/>
-              </a:spcAft>
-              <a:buNone/>
-            </a:pPr>
-            <a:r>
-              <a:rPr lang="it"/>
-              <a:t>Punti della prima revisione</a:t>
-            </a:r>
-            <a:endParaRPr/>
-          </a:p>
-        </p:txBody>
-      </p:sp>
-      <p:sp>
-        <p:nvSpPr>
-          <p:cNvPr id="148" name="Google Shape;148;p15"/>
-          <p:cNvSpPr txBox="1"/>
-          <p:nvPr>
-            <p:ph idx="1" type="body"/>
-          </p:nvPr>
-        </p:nvSpPr>
-        <p:spPr>
-          <a:xfrm>
-            <a:off x="1297500" y="1612950"/>
-            <a:ext cx="7038900" cy="2911200"/>
-          </a:xfrm>
-          <a:prstGeom prst="rect">
-            <a:avLst/>
-          </a:prstGeom>
-        </p:spPr>
-        <p:txBody>
-          <a:bodyPr anchorCtr="0" anchor="t" bIns="91425" lIns="91425" spcFirstLastPara="1" rIns="91425" wrap="square" tIns="91425">
-            <a:normAutofit/>
-          </a:bodyPr>
-          <a:lstStyle/>
-          <a:p>
-            <a:pPr indent="-311150" lvl="0" marL="457200" rtl="0" algn="l">
-              <a:spcBef>
-                <a:spcPts val="0"/>
-              </a:spcBef>
-              <a:spcAft>
-                <a:spcPts val="0"/>
-              </a:spcAft>
-              <a:buSzPts val="1300"/>
-              <a:buChar char="●"/>
-            </a:pPr>
-            <a:r>
-              <a:rPr lang="it"/>
-              <a:t>Product backlog, primo sprint backlog</a:t>
-            </a:r>
-            <a:endParaRPr/>
-          </a:p>
-          <a:p>
-            <a:pPr indent="-311150" lvl="0" marL="457200" rtl="0" algn="l">
-              <a:spcBef>
-                <a:spcPts val="0"/>
-              </a:spcBef>
-              <a:spcAft>
-                <a:spcPts val="0"/>
-              </a:spcAft>
-              <a:buSzPts val="1300"/>
-              <a:buChar char="●"/>
-            </a:pPr>
-            <a:r>
-              <a:rPr lang="it"/>
-              <a:t>Architettura del gioco (MVC)</a:t>
-            </a:r>
-            <a:endParaRPr/>
-          </a:p>
-          <a:p>
-            <a:pPr indent="-311150" lvl="0" marL="457200" rtl="0" algn="l">
-              <a:spcBef>
-                <a:spcPts val="0"/>
-              </a:spcBef>
-              <a:spcAft>
-                <a:spcPts val="0"/>
-              </a:spcAft>
-              <a:buSzPts val="1300"/>
-              <a:buChar char="●"/>
-            </a:pPr>
-            <a:r>
-              <a:rPr lang="it"/>
-              <a:t>Inizializzazione e avvio del gioco</a:t>
-            </a:r>
-            <a:endParaRPr/>
-          </a:p>
-          <a:p>
-            <a:pPr indent="-311150" lvl="0" marL="457200" rtl="0" algn="l">
-              <a:spcBef>
-                <a:spcPts val="0"/>
-              </a:spcBef>
-              <a:spcAft>
-                <a:spcPts val="0"/>
-              </a:spcAft>
-              <a:buSzPts val="1300"/>
-              <a:buChar char="●"/>
-            </a:pPr>
-            <a:r>
-              <a:rPr lang="it"/>
-              <a:t>Sistema di combattimento a turni: attacco</a:t>
-            </a:r>
-            <a:endParaRPr/>
-          </a:p>
-          <a:p>
-            <a:pPr indent="-311150" lvl="0" marL="457200" rtl="0" algn="l">
-              <a:spcBef>
-                <a:spcPts val="0"/>
-              </a:spcBef>
-              <a:spcAft>
-                <a:spcPts val="0"/>
-              </a:spcAft>
-              <a:buSzPts val="1300"/>
-              <a:buChar char="●"/>
-            </a:pPr>
-            <a:r>
-              <a:rPr lang="it"/>
-              <a:t>Esplorazione del mondo di gioco</a:t>
-            </a:r>
-            <a:endParaRPr/>
-          </a:p>
-          <a:p>
-            <a:pPr indent="-311150" lvl="0" marL="457200" rtl="0" algn="l">
-              <a:spcBef>
-                <a:spcPts val="0"/>
-              </a:spcBef>
-              <a:spcAft>
-                <a:spcPts val="0"/>
-              </a:spcAft>
-              <a:buSzPts val="1300"/>
-              <a:buChar char="●"/>
-            </a:pPr>
-            <a:r>
-              <a:rPr lang="it"/>
-              <a:t>Avvio del combattimento</a:t>
-            </a:r>
-            <a:endParaRPr/>
-          </a:p>
-          <a:p>
-            <a:pPr indent="-311150" lvl="0" marL="457200" rtl="0" algn="l">
-              <a:spcBef>
-                <a:spcPts val="0"/>
-              </a:spcBef>
-              <a:spcAft>
-                <a:spcPts val="0"/>
-              </a:spcAft>
-              <a:buSzPts val="1300"/>
-              <a:buChar char="●"/>
-            </a:pPr>
-            <a:r>
-              <a:rPr lang="it"/>
-              <a:t>Prima progettazione database</a:t>
-            </a:r>
-            <a:endParaRPr/>
-          </a:p>
-          <a:p>
-            <a:pPr indent="-311150" lvl="0" marL="457200" rtl="0" algn="l">
-              <a:spcBef>
-                <a:spcPts val="0"/>
-              </a:spcBef>
-              <a:spcAft>
-                <a:spcPts val="0"/>
-              </a:spcAft>
-              <a:buSzPts val="1300"/>
-              <a:buChar char="●"/>
-            </a:pPr>
-            <a:r>
-              <a:rPr lang="it"/>
-              <a:t>Storia del gioco</a:t>
-            </a:r>
-            <a:endParaRPr/>
-          </a:p>
-        </p:txBody>
-      </p:sp>
     </p:spTree>
   </p:cSld>
   <p:clrMapOvr>
@@ -11810,39 +11777,172 @@
             </a:pPr>
             <a:r>
               <a:rPr lang="it"/>
-              <a:t>Secondo sprint backlog</a:t>
+              <a:t>Punti della prima revisione</a:t>
             </a:r>
             <a:endParaRPr/>
           </a:p>
         </p:txBody>
       </p:sp>
-      <p:pic>
-        <p:nvPicPr>
+      <p:sp>
+        <p:nvSpPr>
           <p:cNvPr id="154" name="Google Shape;154;p16"/>
-          <p:cNvPicPr preferRelativeResize="0"/>
-          <p:nvPr/>
-        </p:nvPicPr>
-        <p:blipFill rotWithShape="1">
-          <a:blip r:embed="rId3">
-            <a:alphaModFix/>
-          </a:blip>
-          <a:srcRect b="8891" l="5935" r="5215" t="13720"/>
-          <a:stretch/>
-        </p:blipFill>
+          <p:cNvSpPr txBox="1"/>
+          <p:nvPr>
+            <p:ph idx="1" type="body"/>
+          </p:nvPr>
+        </p:nvSpPr>
         <p:spPr>
           <a:xfrm>
-            <a:off x="1077225" y="973150"/>
-            <a:ext cx="7373875" cy="3613024"/>
+            <a:off x="1297500" y="1612950"/>
+            <a:ext cx="7038900" cy="2911200"/>
           </a:xfrm>
           <a:prstGeom prst="rect">
             <a:avLst/>
           </a:prstGeom>
-          <a:noFill/>
-          <a:ln>
-            <a:noFill/>
-          </a:ln>
         </p:spPr>
-      </p:pic>
+        <p:txBody>
+          <a:bodyPr anchorCtr="0" anchor="t" bIns="91425" lIns="91425" spcFirstLastPara="1" rIns="91425" wrap="square" tIns="91425">
+            <a:normAutofit/>
+          </a:bodyPr>
+          <a:lstStyle/>
+          <a:p>
+            <a:pPr indent="-311150" lvl="0" marL="457200" rtl="0" algn="l">
+              <a:spcBef>
+                <a:spcPts val="0"/>
+              </a:spcBef>
+              <a:spcAft>
+                <a:spcPts val="0"/>
+              </a:spcAft>
+              <a:buSzPts val="1300"/>
+              <a:buChar char="●"/>
+            </a:pPr>
+            <a:r>
+              <a:rPr lang="it"/>
+              <a:t>Product backlog, primo sprint backlog</a:t>
+            </a:r>
+            <a:endParaRPr/>
+          </a:p>
+          <a:p>
+            <a:pPr indent="-311150" lvl="0" marL="457200" rtl="0" algn="l">
+              <a:spcBef>
+                <a:spcPts val="0"/>
+              </a:spcBef>
+              <a:spcAft>
+                <a:spcPts val="0"/>
+              </a:spcAft>
+              <a:buSzPts val="1300"/>
+              <a:buChar char="●"/>
+            </a:pPr>
+            <a:r>
+              <a:rPr lang="it"/>
+              <a:t>Architettura del gioco (MVC)</a:t>
+            </a:r>
+            <a:endParaRPr/>
+          </a:p>
+          <a:p>
+            <a:pPr indent="-311150" lvl="0" marL="457200" rtl="0" algn="l">
+              <a:spcBef>
+                <a:spcPts val="0"/>
+              </a:spcBef>
+              <a:spcAft>
+                <a:spcPts val="0"/>
+              </a:spcAft>
+              <a:buSzPts val="1300"/>
+              <a:buChar char="●"/>
+            </a:pPr>
+            <a:r>
+              <a:rPr lang="it"/>
+              <a:t>Inizializzazione e avvio del gioco</a:t>
+            </a:r>
+            <a:endParaRPr/>
+          </a:p>
+          <a:p>
+            <a:pPr indent="-311150" lvl="0" marL="457200" rtl="0" algn="l">
+              <a:spcBef>
+                <a:spcPts val="0"/>
+              </a:spcBef>
+              <a:spcAft>
+                <a:spcPts val="0"/>
+              </a:spcAft>
+              <a:buSzPts val="1300"/>
+              <a:buChar char="●"/>
+            </a:pPr>
+            <a:r>
+              <a:rPr lang="it"/>
+              <a:t>Sistema di combattimento a turni: attacco</a:t>
+            </a:r>
+            <a:endParaRPr/>
+          </a:p>
+          <a:p>
+            <a:pPr indent="-311150" lvl="0" marL="457200" rtl="0" algn="l">
+              <a:spcBef>
+                <a:spcPts val="0"/>
+              </a:spcBef>
+              <a:spcAft>
+                <a:spcPts val="0"/>
+              </a:spcAft>
+              <a:buSzPts val="1300"/>
+              <a:buChar char="●"/>
+            </a:pPr>
+            <a:r>
+              <a:rPr lang="it"/>
+              <a:t>Esplorazione del mondo di gioco</a:t>
+            </a:r>
+            <a:endParaRPr/>
+          </a:p>
+          <a:p>
+            <a:pPr indent="-311150" lvl="0" marL="457200" rtl="0" algn="l">
+              <a:spcBef>
+                <a:spcPts val="0"/>
+              </a:spcBef>
+              <a:spcAft>
+                <a:spcPts val="0"/>
+              </a:spcAft>
+              <a:buSzPts val="1300"/>
+              <a:buChar char="●"/>
+            </a:pPr>
+            <a:r>
+              <a:rPr lang="it"/>
+              <a:t>Avvio del combattimento</a:t>
+            </a:r>
+            <a:endParaRPr/>
+          </a:p>
+          <a:p>
+            <a:pPr indent="-311150" lvl="0" marL="457200" rtl="0" algn="l">
+              <a:spcBef>
+                <a:spcPts val="0"/>
+              </a:spcBef>
+              <a:spcAft>
+                <a:spcPts val="0"/>
+              </a:spcAft>
+              <a:buSzPts val="1300"/>
+              <a:buChar char="●"/>
+            </a:pPr>
+            <a:r>
+              <a:rPr lang="it"/>
+              <a:t>Prima progettazione database</a:t>
+            </a:r>
+            <a:endParaRPr/>
+          </a:p>
+          <a:p>
+            <a:pPr indent="-311150" lvl="0" marL="457200" rtl="0" algn="l">
+              <a:spcBef>
+                <a:spcPts val="0"/>
+              </a:spcBef>
+              <a:spcAft>
+                <a:spcPts val="0"/>
+              </a:spcAft>
+              <a:buSzPts val="1300"/>
+              <a:buChar char="●"/>
+            </a:pPr>
+            <a:r>
+              <a:rPr lang="it"/>
+              <a:t>Storia del gioco</a:t>
+            </a:r>
+            <a:endParaRPr/>
+          </a:p>
+        </p:txBody>
+      </p:sp>
     </p:spTree>
   </p:cSld>
   <p:clrMapOvr>
@@ -11878,7 +11978,7 @@
         </p:nvSpPr>
         <p:spPr>
           <a:xfrm>
-            <a:off x="1274800" y="125825"/>
+            <a:off x="1297500" y="393750"/>
             <a:ext cx="7038900" cy="914100"/>
           </a:xfrm>
           <a:prstGeom prst="rect">
@@ -11886,7 +11986,7 @@
           </a:prstGeom>
         </p:spPr>
         <p:txBody>
-          <a:bodyPr anchorCtr="0" anchor="ctr" bIns="91425" lIns="91425" spcFirstLastPara="1" rIns="91425" wrap="square" tIns="91425">
+          <a:bodyPr anchorCtr="0" anchor="t" bIns="91425" lIns="91425" spcFirstLastPara="1" rIns="91425" wrap="square" tIns="91425">
             <a:normAutofit/>
           </a:bodyPr>
           <a:lstStyle/>
@@ -11902,7 +12002,7 @@
             </a:pPr>
             <a:r>
               <a:rPr lang="it"/>
-              <a:t>   Sistema di abilità - Bonura</a:t>
+              <a:t>Secondo sprint backlog</a:t>
             </a:r>
             <a:endParaRPr/>
           </a:p>
@@ -11924,8 +12024,8 @@
         </p:blipFill>
         <p:spPr>
           <a:xfrm>
-            <a:off x="2319900" y="990650"/>
-            <a:ext cx="4948694" cy="3670200"/>
+            <a:off x="1195338" y="991675"/>
+            <a:ext cx="7243219" cy="3530850"/>
           </a:xfrm>
           <a:prstGeom prst="rect">
             <a:avLst/>
@@ -11971,15 +12071,15 @@
         </p:nvSpPr>
         <p:spPr>
           <a:xfrm>
-            <a:off x="1297500" y="393750"/>
-            <a:ext cx="7038900" cy="755400"/>
+            <a:off x="1274800" y="125825"/>
+            <a:ext cx="7038900" cy="914100"/>
           </a:xfrm>
           <a:prstGeom prst="rect">
             <a:avLst/>
           </a:prstGeom>
         </p:spPr>
         <p:txBody>
-          <a:bodyPr anchorCtr="0" anchor="t" bIns="91425" lIns="91425" spcFirstLastPara="1" rIns="91425" wrap="square" tIns="91425">
+          <a:bodyPr anchorCtr="0" anchor="ctr" bIns="91425" lIns="91425" spcFirstLastPara="1" rIns="91425" wrap="square" tIns="91425">
             <a:normAutofit/>
           </a:bodyPr>
           <a:lstStyle/>
@@ -11995,7 +12095,7 @@
             </a:pPr>
             <a:r>
               <a:rPr lang="it"/>
-              <a:t>Controller delle abilità - Bonì</a:t>
+              <a:t>   Sistema di abilità - Bonura</a:t>
             </a:r>
             <a:endParaRPr/>
           </a:p>
@@ -12017,8 +12117,8 @@
         </p:blipFill>
         <p:spPr>
           <a:xfrm>
-            <a:off x="1115075" y="1149150"/>
-            <a:ext cx="7162800" cy="3390900"/>
+            <a:off x="2319900" y="990650"/>
+            <a:ext cx="4948694" cy="3670200"/>
           </a:xfrm>
           <a:prstGeom prst="rect">
             <a:avLst/>
@@ -12064,8 +12164,8 @@
         </p:nvSpPr>
         <p:spPr>
           <a:xfrm>
-            <a:off x="1231500" y="94650"/>
-            <a:ext cx="7038900" cy="610500"/>
+            <a:off x="1297500" y="393750"/>
+            <a:ext cx="7038900" cy="755400"/>
           </a:xfrm>
           <a:prstGeom prst="rect">
             <a:avLst/>
@@ -12073,7 +12173,7 @@
         </p:spPr>
         <p:txBody>
           <a:bodyPr anchorCtr="0" anchor="t" bIns="91425" lIns="91425" spcFirstLastPara="1" rIns="91425" wrap="square" tIns="91425">
-            <a:noAutofit/>
+            <a:normAutofit/>
           </a:bodyPr>
           <a:lstStyle/>
           <a:p>
@@ -12084,14 +12184,13 @@
               <a:spcAft>
                 <a:spcPts val="0"/>
               </a:spcAft>
-              <a:buSzPts val="990"/>
               <a:buNone/>
             </a:pPr>
             <a:r>
-              <a:rPr lang="it" sz="1960"/>
-              <a:t>Sistema di mappe e livelli - Bonì</a:t>
+              <a:rPr lang="it"/>
+              <a:t>Controller delle abilità - Bonì</a:t>
             </a:r>
-            <a:endParaRPr sz="1960"/>
+            <a:endParaRPr/>
           </a:p>
         </p:txBody>
       </p:sp>
@@ -12111,8 +12210,8 @@
         </p:blipFill>
         <p:spPr>
           <a:xfrm>
-            <a:off x="2242688" y="585700"/>
-            <a:ext cx="4658624" cy="4438351"/>
+            <a:off x="3845050" y="1047900"/>
+            <a:ext cx="1943788" cy="3689549"/>
           </a:xfrm>
           <a:prstGeom prst="rect">
             <a:avLst/>
@@ -12158,7 +12257,7 @@
         </p:nvSpPr>
         <p:spPr>
           <a:xfrm>
-            <a:off x="1312625" y="197100"/>
+            <a:off x="1274700" y="279775"/>
             <a:ext cx="7038900" cy="914100"/>
           </a:xfrm>
           <a:prstGeom prst="rect">
@@ -12182,7 +12281,7 @@
             </a:pPr>
             <a:r>
               <a:rPr lang="it"/>
-              <a:t>Controller livelli e mappe - Terracino</a:t>
+              <a:t>View: Abilità - Spinelli</a:t>
             </a:r>
             <a:endParaRPr/>
           </a:p>
@@ -12194,8 +12293,87 @@
           <p:cNvPicPr preferRelativeResize="0"/>
           <p:nvPr/>
         </p:nvPicPr>
+        <p:blipFill rotWithShape="1">
+          <a:blip r:embed="rId3">
+            <a:alphaModFix/>
+          </a:blip>
+          <a:srcRect b="33617" l="74472" r="1886" t="10641"/>
+          <a:stretch/>
+        </p:blipFill>
+        <p:spPr>
+          <a:xfrm>
+            <a:off x="336975" y="1588300"/>
+            <a:ext cx="1968076" cy="2956750"/>
+          </a:xfrm>
+          <a:prstGeom prst="rect">
+            <a:avLst/>
+          </a:prstGeom>
+          <a:noFill/>
+          <a:ln>
+            <a:noFill/>
+          </a:ln>
+        </p:spPr>
+      </p:pic>
+      <p:cxnSp>
+        <p:nvCxnSpPr>
+          <p:cNvPr id="179" name="Google Shape;179;p20"/>
+          <p:cNvCxnSpPr/>
+          <p:nvPr/>
+        </p:nvCxnSpPr>
+        <p:spPr>
+          <a:xfrm>
+            <a:off x="2365075" y="3066675"/>
+            <a:ext cx="276300" cy="0"/>
+          </a:xfrm>
+          <a:prstGeom prst="straightConnector1">
+            <a:avLst/>
+          </a:prstGeom>
+          <a:noFill/>
+          <a:ln cap="flat" cmpd="sng" w="19050">
+            <a:solidFill>
+              <a:schemeClr val="dk2"/>
+            </a:solidFill>
+            <a:prstDash val="solid"/>
+            <a:round/>
+            <a:headEnd len="med" w="med" type="none"/>
+            <a:tailEnd len="med" w="med" type="triangle"/>
+          </a:ln>
+        </p:spPr>
+      </p:cxnSp>
+      <p:cxnSp>
+        <p:nvCxnSpPr>
+          <p:cNvPr id="180" name="Google Shape;180;p20"/>
+          <p:cNvCxnSpPr/>
+          <p:nvPr/>
+        </p:nvCxnSpPr>
+        <p:spPr>
+          <a:xfrm>
+            <a:off x="5602300" y="3065925"/>
+            <a:ext cx="335400" cy="1500"/>
+          </a:xfrm>
+          <a:prstGeom prst="straightConnector1">
+            <a:avLst/>
+          </a:prstGeom>
+          <a:noFill/>
+          <a:ln cap="flat" cmpd="sng" w="19050">
+            <a:solidFill>
+              <a:schemeClr val="dk2"/>
+            </a:solidFill>
+            <a:prstDash val="solid"/>
+            <a:round/>
+            <a:headEnd len="med" w="med" type="triangle"/>
+            <a:tailEnd len="med" w="med" type="triangle"/>
+          </a:ln>
+        </p:spPr>
+      </p:cxnSp>
+      <p:pic>
+        <p:nvPicPr>
+          <p:cNvPr id="181" name="Google Shape;181;p20"/>
+          <p:cNvPicPr preferRelativeResize="0"/>
+          <p:nvPr/>
+        </p:nvPicPr>
         <p:blipFill>
-          <a:blip r:embed="rId3">
+          <a:blip r:embed="rId4">
             <a:alphaModFix/>
           </a:blip>
           <a:stretch>
@@ -12204,8 +12382,36 @@
         </p:blipFill>
         <p:spPr>
           <a:xfrm>
-            <a:off x="1738488" y="782650"/>
-            <a:ext cx="5667025" cy="4226475"/>
+            <a:off x="2732975" y="1948000"/>
+            <a:ext cx="2822025" cy="2237350"/>
+          </a:xfrm>
+          <a:prstGeom prst="rect">
+            <a:avLst/>
+          </a:prstGeom>
+          <a:noFill/>
+          <a:ln>
+            <a:noFill/>
+          </a:ln>
+        </p:spPr>
+      </p:pic>
+      <p:pic>
+        <p:nvPicPr>
+          <p:cNvPr id="182" name="Google Shape;182;p20"/>
+          <p:cNvPicPr preferRelativeResize="0"/>
+          <p:nvPr/>
+        </p:nvPicPr>
+        <p:blipFill>
+          <a:blip r:embed="rId5">
+            <a:alphaModFix/>
+          </a:blip>
+          <a:stretch>
+            <a:fillRect/>
+          </a:stretch>
+        </p:blipFill>
+        <p:spPr>
+          <a:xfrm>
+            <a:off x="5985000" y="1951750"/>
+            <a:ext cx="2822025" cy="2229860"/>
           </a:xfrm>
           <a:prstGeom prst="rect">
             <a:avLst/>
@@ -12229,7 +12435,7 @@
   <p:cSld>
     <p:spTree>
       <p:nvGrpSpPr>
-        <p:cNvPr id="182" name="Shape 182"/>
+        <p:cNvPr id="186" name="Shape 186"/>
         <p:cNvGrpSpPr/>
         <p:nvPr/>
       </p:nvGrpSpPr>
@@ -12243,7 +12449,7 @@
       </p:grpSpPr>
       <p:sp>
         <p:nvSpPr>
-          <p:cNvPr id="183" name="Google Shape;183;p21"/>
+          <p:cNvPr id="187" name="Google Shape;187;p21"/>
           <p:cNvSpPr txBox="1"/>
           <p:nvPr>
             <p:ph type="title"/>
@@ -12251,8 +12457,8 @@
         </p:nvSpPr>
         <p:spPr>
           <a:xfrm>
-            <a:off x="843575" y="279775"/>
-            <a:ext cx="8211900" cy="914100"/>
+            <a:off x="1231500" y="94650"/>
+            <a:ext cx="7038900" cy="610500"/>
           </a:xfrm>
           <a:prstGeom prst="rect">
             <a:avLst/>
@@ -12275,16 +12481,16 @@
               <a:buNone/>
             </a:pPr>
             <a:r>
-              <a:rPr lang="it" sz="2460"/>
-              <a:t>NPC e controller dialoghi, Business Logic - Spinelli</a:t>
+              <a:rPr lang="it" sz="1960"/>
+              <a:t>Sistema di mappe e livelli - Bonì</a:t>
             </a:r>
-            <a:endParaRPr sz="2460"/>
+            <a:endParaRPr sz="1960"/>
           </a:p>
         </p:txBody>
       </p:sp>
       <p:pic>
         <p:nvPicPr>
-          <p:cNvPr id="184" name="Google Shape;184;p21"/>
+          <p:cNvPr id="188" name="Google Shape;188;p21"/>
           <p:cNvPicPr preferRelativeResize="0"/>
           <p:nvPr/>
         </p:nvPicPr>
@@ -12298,8 +12504,8 @@
         </p:blipFill>
         <p:spPr>
           <a:xfrm>
-            <a:off x="3169563" y="1193875"/>
-            <a:ext cx="3249176" cy="3249176"/>
+            <a:off x="2242688" y="585700"/>
+            <a:ext cx="4658624" cy="4438351"/>
           </a:xfrm>
           <a:prstGeom prst="rect">
             <a:avLst/>
@@ -12319,6 +12525,285 @@
 </file>
 
 <file path=ppt/theme/theme1.xml><?xml version="1.0" encoding="utf-8"?>
+<a:theme xmlns:a="http://schemas.openxmlformats.org/drawingml/2006/main" xmlns:r="http://schemas.openxmlformats.org/officeDocument/2006/relationships">
+  <a:themeElements>
+    <a:clrScheme name="Default">
+      <a:dk1>
+        <a:srgbClr val="000000"/>
+      </a:dk1>
+      <a:lt1>
+        <a:srgbClr val="FFFFFF"/>
+      </a:lt1>
+      <a:dk2>
+        <a:srgbClr val="158158"/>
+      </a:dk2>
+      <a:lt2>
+        <a:srgbClr val="F3F3F3"/>
+      </a:lt2>
+      <a:accent1>
+        <a:srgbClr val="058DC7"/>
+      </a:accent1>
+      <a:accent2>
+        <a:srgbClr val="50B432"/>
+      </a:accent2>
+      <a:accent3>
+        <a:srgbClr val="ED561B"/>
+      </a:accent3>
+      <a:accent4>
+        <a:srgbClr val="EDEF00"/>
+      </a:accent4>
+      <a:accent5>
+        <a:srgbClr val="24CBE5"/>
+      </a:accent5>
+      <a:accent6>
+        <a:srgbClr val="64E572"/>
+      </a:accent6>
+      <a:hlink>
+        <a:srgbClr val="2200CC"/>
+      </a:hlink>
+      <a:folHlink>
+        <a:srgbClr val="551A8B"/>
+      </a:folHlink>
+    </a:clrScheme>
+    <a:fontScheme name="Office">
+      <a:majorFont>
+        <a:latin typeface="Arial"/>
+        <a:ea typeface=""/>
+        <a:cs typeface=""/>
+        <a:font script="Jpan" typeface="ＭＳ Ｐゴシック"/>
+        <a:font script="Hang" typeface="맑은 고딕"/>
+        <a:font script="Hans" typeface="宋体"/>
+        <a:font script="Hant" typeface="新細明體"/>
+        <a:font script="Arab" typeface="Times New Roman"/>
+        <a:font script="Hebr" typeface="Times New Roman"/>
+        <a:font script="Thai" typeface="Angsana New"/>
+        <a:font script="Ethi" typeface="Nyala"/>
+        <a:font script="Beng" typeface="Vrinda"/>
+        <a:font script="Gujr" typeface="Shruti"/>
+        <a:font script="Khmr" typeface="MoolBoran"/>
+        <a:font script="Knda" typeface="Tunga"/>
+        <a:font script="Guru" typeface="Raavi"/>
+        <a:font script="Cans" typeface="Euphemia"/>
+        <a:font script="Cher" typeface="Plantagenet Cherokee"/>
+        <a:font script="Yiii" typeface="Microsoft Yi Baiti"/>
+        <a:font script="Tibt" typeface="Microsoft Himalaya"/>
+        <a:font script="Thaa" typeface="MV Boli"/>
+        <a:font script="Deva" typeface="Mangal"/>
+        <a:font script="Telu" typeface="Gautami"/>
+        <a:font script="Taml" typeface="Latha"/>
+        <a:font script="Syrc" typeface="Estrangelo Edessa"/>
+        <a:font script="Orya" typeface="Kalinga"/>
+        <a:font script="Mlym" typeface="Kartika"/>
+        <a:font script="Laoo" typeface="DokChampa"/>
+        <a:font script="Sinh" typeface="Iskoola Pota"/>
+        <a:font script="Mong" typeface="Mongolian Baiti"/>
+        <a:font script="Viet" typeface="Times New Roman"/>
+        <a:font script="Uigh" typeface="Microsoft Uighur"/>
+        <a:font script="Geor" typeface="Sylfaen"/>
+      </a:majorFont>
+      <a:minorFont>
+        <a:latin typeface="Arial"/>
+        <a:ea typeface=""/>
+        <a:cs typeface=""/>
+        <a:font script="Jpan" typeface="ＭＳ Ｐゴシック"/>
+        <a:font script="Hang" typeface="맑은 고딕"/>
+        <a:font script="Hans" typeface="宋体"/>
+        <a:font script="Hant" typeface="新細明體"/>
+        <a:font script="Arab" typeface="Arial"/>
+        <a:font script="Hebr" typeface="Arial"/>
+        <a:font script="Thai" typeface="Cordia New"/>
+        <a:font script="Ethi" typeface="Nyala"/>
+        <a:font script="Beng" typeface="Vrinda"/>
+        <a:font script="Gujr" typeface="Shruti"/>
+        <a:font script="Khmr" typeface="DaunPenh"/>
+        <a:font script="Knda" typeface="Tunga"/>
+        <a:font script="Guru" typeface="Raavi"/>
+        <a:font script="Cans" typeface="Euphemia"/>
+        <a:font script="Cher" typeface="Plantagenet Cherokee"/>
+        <a:font script="Yiii" typeface="Microsoft Yi Baiti"/>
+        <a:font script="Tibt" typeface="Microsoft Himalaya"/>
+        <a:font script="Thaa" typeface="MV Boli"/>
+        <a:font script="Deva" typeface="Mangal"/>
+        <a:font script="Telu" typeface="Gautami"/>
+        <a:font script="Taml" typeface="Latha"/>
+        <a:font script="Syrc" typeface="Estrangelo Edessa"/>
+        <a:font script="Orya" typeface="Kalinga"/>
+        <a:font script="Mlym" typeface="Kartika"/>
+        <a:font script="Laoo" typeface="DokChampa"/>
+        <a:font script="Sinh" typeface="Iskoola Pota"/>
+        <a:font script="Mong" typeface="Mongolian Baiti"/>
+        <a:font script="Viet" typeface="Arial"/>
+        <a:font script="Uigh" typeface="Microsoft Uighur"/>
+        <a:font script="Geor" typeface="Sylfaen"/>
+      </a:minorFont>
+    </a:fontScheme>
+    <a:fmtScheme name="Office">
+      <a:fillStyleLst>
+        <a:solidFill>
+          <a:schemeClr val="phClr"/>
+        </a:solidFill>
+        <a:gradFill rotWithShape="1">
+          <a:gsLst>
+            <a:gs pos="0">
+              <a:schemeClr val="phClr">
+                <a:tint val="50000"/>
+                <a:satMod val="300000"/>
+              </a:schemeClr>
+            </a:gs>
+            <a:gs pos="35000">
+              <a:schemeClr val="phClr">
+                <a:tint val="37000"/>
+                <a:satMod val="300000"/>
+              </a:schemeClr>
+            </a:gs>
+            <a:gs pos="100000">
+              <a:schemeClr val="phClr">
+                <a:tint val="15000"/>
+                <a:satMod val="350000"/>
+              </a:schemeClr>
+            </a:gs>
+          </a:gsLst>
+          <a:lin ang="16200000" scaled="1"/>
+        </a:gradFill>
+        <a:gradFill rotWithShape="1">
+          <a:gsLst>
+            <a:gs pos="0">
+              <a:schemeClr val="phClr">
+                <a:tint val="100000"/>
+                <a:shade val="100000"/>
+                <a:satMod val="130000"/>
+              </a:schemeClr>
+            </a:gs>
+            <a:gs pos="100000">
+              <a:schemeClr val="phClr">
+                <a:tint val="50000"/>
+                <a:shade val="100000"/>
+                <a:satMod val="350000"/>
+              </a:schemeClr>
+            </a:gs>
+          </a:gsLst>
+          <a:lin ang="16200000" scaled="0"/>
+        </a:gradFill>
+      </a:fillStyleLst>
+      <a:lnStyleLst>
+        <a:ln w="9525" cap="flat" cmpd="sng" algn="ctr">
+          <a:solidFill>
+            <a:schemeClr val="phClr">
+              <a:shade val="95000"/>
+              <a:satMod val="105000"/>
+            </a:schemeClr>
+          </a:solidFill>
+          <a:prstDash val="solid"/>
+        </a:ln>
+        <a:ln w="25400" cap="flat" cmpd="sng" algn="ctr">
+          <a:solidFill>
+            <a:schemeClr val="phClr"/>
+          </a:solidFill>
+          <a:prstDash val="solid"/>
+        </a:ln>
+        <a:ln w="38100" cap="flat" cmpd="sng" algn="ctr">
+          <a:solidFill>
+            <a:schemeClr val="phClr"/>
+          </a:solidFill>
+          <a:prstDash val="solid"/>
+        </a:ln>
+      </a:lnStyleLst>
+      <a:effectStyleLst>
+        <a:effectStyle>
+          <a:effectLst>
+            <a:outerShdw blurRad="40000" dist="20000" dir="5400000" rotWithShape="0">
+              <a:srgbClr val="000000">
+                <a:alpha val="38000"/>
+              </a:srgbClr>
+            </a:outerShdw>
+          </a:effectLst>
+        </a:effectStyle>
+        <a:effectStyle>
+          <a:effectLst>
+            <a:outerShdw blurRad="40000" dist="23000" dir="5400000" rotWithShape="0">
+              <a:srgbClr val="000000">
+                <a:alpha val="35000"/>
+              </a:srgbClr>
+            </a:outerShdw>
+          </a:effectLst>
+        </a:effectStyle>
+        <a:effectStyle>
+          <a:effectLst>
+            <a:outerShdw blurRad="40000" dist="23000" dir="5400000" rotWithShape="0">
+              <a:srgbClr val="000000">
+                <a:alpha val="35000"/>
+              </a:srgbClr>
+            </a:outerShdw>
+          </a:effectLst>
+          <a:scene3d>
+            <a:camera prst="orthographicFront">
+              <a:rot lat="0" lon="0" rev="0"/>
+            </a:camera>
+            <a:lightRig rig="threePt" dir="t">
+              <a:rot lat="0" lon="0" rev="1200000"/>
+            </a:lightRig>
+          </a:scene3d>
+          <a:sp3d>
+            <a:bevelT w="63500" h="25400"/>
+          </a:sp3d>
+        </a:effectStyle>
+      </a:effectStyleLst>
+      <a:bgFillStyleLst>
+        <a:solidFill>
+          <a:schemeClr val="phClr"/>
+        </a:solidFill>
+        <a:gradFill rotWithShape="1">
+          <a:gsLst>
+            <a:gs pos="0">
+              <a:schemeClr val="phClr">
+                <a:tint val="40000"/>
+                <a:satMod val="350000"/>
+              </a:schemeClr>
+            </a:gs>
+            <a:gs pos="40000">
+              <a:schemeClr val="phClr">
+                <a:tint val="45000"/>
+                <a:shade val="99000"/>
+                <a:satMod val="350000"/>
+              </a:schemeClr>
+            </a:gs>
+            <a:gs pos="100000">
+              <a:schemeClr val="phClr">
+                <a:shade val="20000"/>
+                <a:satMod val="255000"/>
+              </a:schemeClr>
+            </a:gs>
+          </a:gsLst>
+          <a:path path="circle">
+            <a:fillToRect l="50000" t="-80000" r="50000" b="180000"/>
+          </a:path>
+        </a:gradFill>
+        <a:gradFill rotWithShape="1">
+          <a:gsLst>
+            <a:gs pos="0">
+              <a:schemeClr val="phClr">
+                <a:tint val="80000"/>
+                <a:satMod val="300000"/>
+              </a:schemeClr>
+            </a:gs>
+            <a:gs pos="100000">
+              <a:schemeClr val="phClr">
+                <a:shade val="30000"/>
+                <a:satMod val="200000"/>
+              </a:schemeClr>
+            </a:gs>
+          </a:gsLst>
+          <a:path path="circle">
+            <a:fillToRect l="50000" t="50000" r="50000" b="50000"/>
+          </a:path>
+        </a:gradFill>
+      </a:bgFillStyleLst>
+    </a:fmtScheme>
+  </a:themeElements>
+</a:theme>
+</file>
+
+<file path=ppt/theme/theme2.xml><?xml version="1.0" encoding="utf-8"?>
 <a:theme xmlns:a="http://schemas.openxmlformats.org/drawingml/2006/main" xmlns:r="http://schemas.openxmlformats.org/officeDocument/2006/relationships" name="Focus">
   <a:themeElements>
     <a:clrScheme name="Focus">
@@ -12595,283 +13080,4 @@
     </a:fmtScheme>
   </a:themeElements>
 </a:theme>
-</file>
-
-<file path=ppt/theme/theme2.xml><?xml version="1.0" encoding="utf-8"?>
-<a:theme xmlns:a="http://schemas.openxmlformats.org/drawingml/2006/main" xmlns:r="http://schemas.openxmlformats.org/officeDocument/2006/relationships">
-  <a:themeElements>
-    <a:clrScheme name="Default">
-      <a:dk1>
-        <a:srgbClr val="000000"/>
-      </a:dk1>
-      <a:lt1>
-        <a:srgbClr val="FFFFFF"/>
-      </a:lt1>
-      <a:dk2>
-        <a:srgbClr val="158158"/>
-      </a:dk2>
-      <a:lt2>
-        <a:srgbClr val="F3F3F3"/>
-      </a:lt2>
-      <a:accent1>
-        <a:srgbClr val="058DC7"/>
-      </a:accent1>
-      <a:accent2>
-        <a:srgbClr val="50B432"/>
-      </a:accent2>
-      <a:accent3>
-        <a:srgbClr val="ED561B"/>
-      </a:accent3>
-      <a:accent4>
-        <a:srgbClr val="EDEF00"/>
-      </a:accent4>
-      <a:accent5>
-        <a:srgbClr val="24CBE5"/>
-      </a:accent5>
-      <a:accent6>
-        <a:srgbClr val="64E572"/>
-      </a:accent6>
-      <a:hlink>
-        <a:srgbClr val="2200CC"/>
-      </a:hlink>
-      <a:folHlink>
-        <a:srgbClr val="551A8B"/>
-      </a:folHlink>
-    </a:clrScheme>
-    <a:fontScheme name="Office">
-      <a:majorFont>
-        <a:latin typeface="Arial"/>
-        <a:ea typeface=""/>
-        <a:cs typeface=""/>
-        <a:font script="Jpan" typeface="ＭＳ Ｐゴシック"/>
-        <a:font script="Hang" typeface="맑은 고딕"/>
-        <a:font script="Hans" typeface="宋体"/>
-        <a:font script="Hant" typeface="新細明體"/>
-        <a:font script="Arab" typeface="Times New Roman"/>
-        <a:font script="Hebr" typeface="Times New Roman"/>
-        <a:font script="Thai" typeface="Angsana New"/>
-        <a:font script="Ethi" typeface="Nyala"/>
-        <a:font script="Beng" typeface="Vrinda"/>
-        <a:font script="Gujr" typeface="Shruti"/>
-        <a:font script="Khmr" typeface="MoolBoran"/>
-        <a:font script="Knda" typeface="Tunga"/>
-        <a:font script="Guru" typeface="Raavi"/>
-        <a:font script="Cans" typeface="Euphemia"/>
-        <a:font script="Cher" typeface="Plantagenet Cherokee"/>
-        <a:font script="Yiii" typeface="Microsoft Yi Baiti"/>
-        <a:font script="Tibt" typeface="Microsoft Himalaya"/>
-        <a:font script="Thaa" typeface="MV Boli"/>
-        <a:font script="Deva" typeface="Mangal"/>
-        <a:font script="Telu" typeface="Gautami"/>
-        <a:font script="Taml" typeface="Latha"/>
-        <a:font script="Syrc" typeface="Estrangelo Edessa"/>
-        <a:font script="Orya" typeface="Kalinga"/>
-        <a:font script="Mlym" typeface="Kartika"/>
-        <a:font script="Laoo" typeface="DokChampa"/>
-        <a:font script="Sinh" typeface="Iskoola Pota"/>
-        <a:font script="Mong" typeface="Mongolian Baiti"/>
-        <a:font script="Viet" typeface="Times New Roman"/>
-        <a:font script="Uigh" typeface="Microsoft Uighur"/>
-        <a:font script="Geor" typeface="Sylfaen"/>
-      </a:majorFont>
-      <a:minorFont>
-        <a:latin typeface="Arial"/>
-        <a:ea typeface=""/>
-        <a:cs typeface=""/>
-        <a:font script="Jpan" typeface="ＭＳ Ｐゴシック"/>
-        <a:font script="Hang" typeface="맑은 고딕"/>
-        <a:font script="Hans" typeface="宋体"/>
-        <a:font script="Hant" typeface="新細明體"/>
-        <a:font script="Arab" typeface="Arial"/>
-        <a:font script="Hebr" typeface="Arial"/>
-        <a:font script="Thai" typeface="Cordia New"/>
-        <a:font script="Ethi" typeface="Nyala"/>
-        <a:font script="Beng" typeface="Vrinda"/>
-        <a:font script="Gujr" typeface="Shruti"/>
-        <a:font script="Khmr" typeface="DaunPenh"/>
-        <a:font script="Knda" typeface="Tunga"/>
-        <a:font script="Guru" typeface="Raavi"/>
-        <a:font script="Cans" typeface="Euphemia"/>
-        <a:font script="Cher" typeface="Plantagenet Cherokee"/>
-        <a:font script="Yiii" typeface="Microsoft Yi Baiti"/>
-        <a:font script="Tibt" typeface="Microsoft Himalaya"/>
-        <a:font script="Thaa" typeface="MV Boli"/>
-        <a:font script="Deva" typeface="Mangal"/>
-        <a:font script="Telu" typeface="Gautami"/>
-        <a:font script="Taml" typeface="Latha"/>
-        <a:font script="Syrc" typeface="Estrangelo Edessa"/>
-        <a:font script="Orya" typeface="Kalinga"/>
-        <a:font script="Mlym" typeface="Kartika"/>
-        <a:font script="Laoo" typeface="DokChampa"/>
-        <a:font script="Sinh" typeface="Iskoola Pota"/>
-        <a:font script="Mong" typeface="Mongolian Baiti"/>
-        <a:font script="Viet" typeface="Arial"/>
-        <a:font script="Uigh" typeface="Microsoft Uighur"/>
-        <a:font script="Geor" typeface="Sylfaen"/>
-      </a:minorFont>
-    </a:fontScheme>
-    <a:fmtScheme name="Office">
-      <a:fillStyleLst>
-        <a:solidFill>
-          <a:schemeClr val="phClr"/>
-        </a:solidFill>
-        <a:gradFill rotWithShape="1">
-          <a:gsLst>
-            <a:gs pos="0">
-              <a:schemeClr val="phClr">
-                <a:tint val="50000"/>
-                <a:satMod val="300000"/>
-              </a:schemeClr>
-            </a:gs>
-            <a:gs pos="35000">
-              <a:schemeClr val="phClr">
-                <a:tint val="37000"/>
-                <a:satMod val="300000"/>
-              </a:schemeClr>
-            </a:gs>
-            <a:gs pos="100000">
-              <a:schemeClr val="phClr">
-                <a:tint val="15000"/>
-                <a:satMod val="350000"/>
-              </a:schemeClr>
-            </a:gs>
-          </a:gsLst>
-          <a:lin ang="16200000" scaled="1"/>
-        </a:gradFill>
-        <a:gradFill rotWithShape="1">
-          <a:gsLst>
-            <a:gs pos="0">
-              <a:schemeClr val="phClr">
-                <a:tint val="100000"/>
-                <a:shade val="100000"/>
-                <a:satMod val="130000"/>
-              </a:schemeClr>
-            </a:gs>
-            <a:gs pos="100000">
-              <a:schemeClr val="phClr">
-                <a:tint val="50000"/>
-                <a:shade val="100000"/>
-                <a:satMod val="350000"/>
-              </a:schemeClr>
-            </a:gs>
-          </a:gsLst>
-          <a:lin ang="16200000" scaled="0"/>
-        </a:gradFill>
-      </a:fillStyleLst>
-      <a:lnStyleLst>
-        <a:ln w="9525" cap="flat" cmpd="sng" algn="ctr">
-          <a:solidFill>
-            <a:schemeClr val="phClr">
-              <a:shade val="95000"/>
-              <a:satMod val="105000"/>
-            </a:schemeClr>
-          </a:solidFill>
-          <a:prstDash val="solid"/>
-        </a:ln>
-        <a:ln w="25400" cap="flat" cmpd="sng" algn="ctr">
-          <a:solidFill>
-            <a:schemeClr val="phClr"/>
-          </a:solidFill>
-          <a:prstDash val="solid"/>
-        </a:ln>
-        <a:ln w="38100" cap="flat" cmpd="sng" algn="ctr">
-          <a:solidFill>
-            <a:schemeClr val="phClr"/>
-          </a:solidFill>
-          <a:prstDash val="solid"/>
-        </a:ln>
-      </a:lnStyleLst>
-      <a:effectStyleLst>
-        <a:effectStyle>
-          <a:effectLst>
-            <a:outerShdw blurRad="40000" dist="20000" dir="5400000" rotWithShape="0">
-              <a:srgbClr val="000000">
-                <a:alpha val="38000"/>
-              </a:srgbClr>
-            </a:outerShdw>
-          </a:effectLst>
-        </a:effectStyle>
-        <a:effectStyle>
-          <a:effectLst>
-            <a:outerShdw blurRad="40000" dist="23000" dir="5400000" rotWithShape="0">
-              <a:srgbClr val="000000">
-                <a:alpha val="35000"/>
-              </a:srgbClr>
-            </a:outerShdw>
-          </a:effectLst>
-        </a:effectStyle>
-        <a:effectStyle>
-          <a:effectLst>
-            <a:outerShdw blurRad="40000" dist="23000" dir="5400000" rotWithShape="0">
-              <a:srgbClr val="000000">
-                <a:alpha val="35000"/>
-              </a:srgbClr>
-            </a:outerShdw>
-          </a:effectLst>
-          <a:scene3d>
-            <a:camera prst="orthographicFront">
-              <a:rot lat="0" lon="0" rev="0"/>
-            </a:camera>
-            <a:lightRig rig="threePt" dir="t">
-              <a:rot lat="0" lon="0" rev="1200000"/>
-            </a:lightRig>
-          </a:scene3d>
-          <a:sp3d>
-            <a:bevelT w="63500" h="25400"/>
-          </a:sp3d>
-        </a:effectStyle>
-      </a:effectStyleLst>
-      <a:bgFillStyleLst>
-        <a:solidFill>
-          <a:schemeClr val="phClr"/>
-        </a:solidFill>
-        <a:gradFill rotWithShape="1">
-          <a:gsLst>
-            <a:gs pos="0">
-              <a:schemeClr val="phClr">
-                <a:tint val="40000"/>
-                <a:satMod val="350000"/>
-              </a:schemeClr>
-            </a:gs>
-            <a:gs pos="40000">
-              <a:schemeClr val="phClr">
-                <a:tint val="45000"/>
-                <a:shade val="99000"/>
-                <a:satMod val="350000"/>
-              </a:schemeClr>
-            </a:gs>
-            <a:gs pos="100000">
-              <a:schemeClr val="phClr">
-                <a:shade val="20000"/>
-                <a:satMod val="255000"/>
-              </a:schemeClr>
-            </a:gs>
-          </a:gsLst>
-          <a:path path="circle">
-            <a:fillToRect l="50000" t="-80000" r="50000" b="180000"/>
-          </a:path>
-        </a:gradFill>
-        <a:gradFill rotWithShape="1">
-          <a:gsLst>
-            <a:gs pos="0">
-              <a:schemeClr val="phClr">
-                <a:tint val="80000"/>
-                <a:satMod val="300000"/>
-              </a:schemeClr>
-            </a:gs>
-            <a:gs pos="100000">
-              <a:schemeClr val="phClr">
-                <a:shade val="30000"/>
-                <a:satMod val="200000"/>
-              </a:schemeClr>
-            </a:gs>
-          </a:gsLst>
-          <a:path path="circle">
-            <a:fillToRect l="50000" t="50000" r="50000" b="50000"/>
-          </a:path>
-        </a:gradFill>
-      </a:bgFillStyleLst>
-    </a:fmtScheme>
-  </a:themeElements>
-</a:theme>
 </file>